--- a/9.Deep_learning/class_11.0_NLP.pptx
+++ b/9.Deep_learning/class_11.0_NLP.pptx
@@ -5,14 +5,16 @@
     <p:sldMasterId id="2147483648" r:id="rId1"/>
   </p:sldMasterIdLst>
   <p:notesMasterIdLst>
-    <p:notesMasterId r:id="rId8"/>
+    <p:notesMasterId r:id="rId10"/>
   </p:notesMasterIdLst>
   <p:sldIdLst>
     <p:sldId id="368" r:id="rId3"/>
-    <p:sldId id="391" r:id="rId4"/>
-    <p:sldId id="392" r:id="rId5"/>
-    <p:sldId id="277" r:id="rId6"/>
-    <p:sldId id="278" r:id="rId7"/>
+    <p:sldId id="393" r:id="rId4"/>
+    <p:sldId id="394" r:id="rId5"/>
+    <p:sldId id="391" r:id="rId6"/>
+    <p:sldId id="392" r:id="rId7"/>
+    <p:sldId id="277" r:id="rId8"/>
+    <p:sldId id="278" r:id="rId9"/>
   </p:sldIdLst>
   <p:sldSz cx="12192000" cy="6858000"/>
   <p:notesSz cx="6858000" cy="9144000"/>
@@ -3497,8 +3499,8 @@
         </p:nvSpPr>
         <p:spPr>
           <a:xfrm>
-            <a:off x="3758565" y="3564255"/>
-            <a:ext cx="4064000" cy="1476375"/>
+            <a:off x="5702300" y="3707130"/>
+            <a:ext cx="3290570" cy="1476375"/>
           </a:xfrm>
           <a:prstGeom prst="rect">
             <a:avLst/>
@@ -3570,8 +3572,8 @@
         </p:nvSpPr>
         <p:spPr>
           <a:xfrm>
-            <a:off x="7305040" y="2769870"/>
-            <a:ext cx="4064000" cy="2861310"/>
+            <a:off x="8736330" y="2558415"/>
+            <a:ext cx="3456305" cy="2861310"/>
           </a:xfrm>
           <a:prstGeom prst="rect">
             <a:avLst/>
@@ -3683,8 +3685,8 @@
         </p:nvSpPr>
         <p:spPr>
           <a:xfrm>
-            <a:off x="3656330" y="5381625"/>
-            <a:ext cx="4064000" cy="1476375"/>
+            <a:off x="5809615" y="5183505"/>
+            <a:ext cx="2861945" cy="1476375"/>
           </a:xfrm>
           <a:prstGeom prst="rect">
             <a:avLst/>
@@ -3733,6 +3735,131 @@
               <a:t>RNN</a:t>
             </a:r>
             <a:endParaRPr lang="en-IN" altLang="en-US"/>
+          </a:p>
+        </p:txBody>
+      </p:sp>
+      <p:sp>
+        <p:nvSpPr>
+          <p:cNvPr id="4" name="Text Box 3"/>
+          <p:cNvSpPr txBox="1"/>
+          <p:nvPr/>
+        </p:nvSpPr>
+        <p:spPr>
+          <a:xfrm>
+            <a:off x="1209040" y="1987550"/>
+            <a:ext cx="9230360" cy="368300"/>
+          </a:xfrm>
+          <a:prstGeom prst="rect">
+            <a:avLst/>
+          </a:prstGeom>
+          <a:noFill/>
+        </p:spPr>
+        <p:txBody>
+          <a:bodyPr wrap="square" rtlCol="0" anchor="t">
+            <a:spAutoFit/>
+          </a:bodyPr>
+          <a:p>
+            <a:r>
+              <a:rPr lang="en-US" altLang="en-US" b="1"/>
+              <a:t>https://www.geeksforgeeks.org/natural-language-processing-nlp-tutorial</a:t>
+            </a:r>
+            <a:endParaRPr lang="en-US" b="1"/>
+          </a:p>
+        </p:txBody>
+      </p:sp>
+      <p:sp>
+        <p:nvSpPr>
+          <p:cNvPr id="7" name="Text Box 6"/>
+          <p:cNvSpPr txBox="1"/>
+          <p:nvPr/>
+        </p:nvSpPr>
+        <p:spPr>
+          <a:xfrm>
+            <a:off x="267335" y="2355850"/>
+            <a:ext cx="5349240" cy="3415030"/>
+          </a:xfrm>
+          <a:prstGeom prst="rect">
+            <a:avLst/>
+          </a:prstGeom>
+          <a:noFill/>
+        </p:spPr>
+        <p:txBody>
+          <a:bodyPr wrap="square" rtlCol="0">
+            <a:spAutoFit/>
+          </a:bodyPr>
+          <a:p>
+            <a:r>
+              <a:rPr lang="en-IN" altLang="en-US" b="1"/>
+              <a:t>PROJECT</a:t>
+            </a:r>
+            <a:endParaRPr lang="en-IN" altLang="en-US" b="1"/>
+          </a:p>
+          <a:p>
+            <a:r>
+              <a:rPr lang="en-US" altLang="en-US"/>
+              <a:t>https://www.geeksforgeeks.org/twitter-sentiment-analysis-using-python/</a:t>
+            </a:r>
+            <a:endParaRPr lang="en-US" altLang="en-US"/>
+          </a:p>
+          <a:p>
+            <a:r>
+              <a:rPr lang="en-US" altLang="en-US"/>
+              <a:t>https://www.geeksforgeeks.org/next-sentence-prediction-using-bert/</a:t>
+            </a:r>
+            <a:endParaRPr lang="en-US" altLang="en-US"/>
+          </a:p>
+          <a:p>
+            <a:endParaRPr lang="en-US" altLang="en-US"/>
+          </a:p>
+          <a:p>
+            <a:r>
+              <a:rPr lang="en-US" altLang="en-US"/>
+              <a:t>https://www.geeksforgeeks.org/fine-tuning-bert-model-for-sentiment-analysis/</a:t>
+            </a:r>
+            <a:endParaRPr lang="en-US" altLang="en-US"/>
+          </a:p>
+          <a:p>
+            <a:r>
+              <a:rPr lang="en-US" altLang="en-US"/>
+              <a:t>https://www.geeksforgeeks.org/sentiment-classification-using-bert/</a:t>
+            </a:r>
+            <a:endParaRPr lang="en-US" altLang="en-US"/>
+          </a:p>
+          <a:p>
+            <a:r>
+              <a:rPr lang="en-US" altLang="en-US"/>
+              <a:t>https://www.geeksforgeeks.org/sentiment-analysis-with-an-recurrent-neural-networks-rnn/</a:t>
+            </a:r>
+            <a:endParaRPr lang="en-US" altLang="en-US"/>
+          </a:p>
+        </p:txBody>
+      </p:sp>
+      <p:sp>
+        <p:nvSpPr>
+          <p:cNvPr id="8" name="Text Box 7"/>
+          <p:cNvSpPr txBox="1"/>
+          <p:nvPr/>
+        </p:nvSpPr>
+        <p:spPr>
+          <a:xfrm>
+            <a:off x="5996305" y="359410"/>
+            <a:ext cx="6096000" cy="368300"/>
+          </a:xfrm>
+          <a:prstGeom prst="rect">
+            <a:avLst/>
+          </a:prstGeom>
+          <a:noFill/>
+        </p:spPr>
+        <p:txBody>
+          <a:bodyPr wrap="square" rtlCol="0" anchor="t">
+            <a:spAutoFit/>
+          </a:bodyPr>
+          <a:p>
+            <a:r>
+              <a:rPr lang="en-US" altLang="en-US"/>
+              <a:t>https://www.geeksforgeeks.org/ai-ml-ds-projects/?ref=lbp</a:t>
+            </a:r>
+            <a:endParaRPr lang="en-US"/>
           </a:p>
         </p:txBody>
       </p:sp>
@@ -3762,8 +3889,8 @@
         </p:nvSpPr>
         <p:spPr>
           <a:xfrm>
-            <a:off x="915035" y="156210"/>
-            <a:ext cx="4064000" cy="368300"/>
+            <a:off x="3048000" y="3106420"/>
+            <a:ext cx="6096000" cy="3138170"/>
           </a:xfrm>
           <a:prstGeom prst="rect">
             <a:avLst/>
@@ -3771,1356 +3898,52 @@
           <a:noFill/>
         </p:spPr>
         <p:txBody>
-          <a:bodyPr wrap="square" rtlCol="0">
+          <a:bodyPr wrap="square" rtlCol="0" anchor="t">
             <a:spAutoFit/>
           </a:bodyPr>
           <a:p>
             <a:r>
-              <a:rPr lang="en-IN" altLang="en-US"/>
-              <a:t>OLD SYLLABUS</a:t>
-            </a:r>
-            <a:endParaRPr lang="en-IN" altLang="en-US"/>
-          </a:p>
-        </p:txBody>
-      </p:sp>
-      <p:sp>
-        <p:nvSpPr>
-          <p:cNvPr id="3" name="Text Box 2"/>
-          <p:cNvSpPr txBox="1"/>
-          <p:nvPr/>
-        </p:nvSpPr>
-        <p:spPr>
-          <a:xfrm>
-            <a:off x="615315" y="613092"/>
-            <a:ext cx="5080000" cy="2017395"/>
-          </a:xfrm>
-          <a:prstGeom prst="rect">
-            <a:avLst/>
-          </a:prstGeom>
-        </p:spPr>
-        <p:txBody>
-          <a:bodyPr>
-            <a:spAutoFit/>
-          </a:bodyPr>
-          <a:p>
-            <a:pPr marL="0" indent="0">
-              <a:spcBef>
-                <a:spcPts val="1000"/>
-              </a:spcBef>
-              <a:spcAft>
-                <a:spcPts val="500"/>
-              </a:spcAft>
-            </a:pPr>
-            <a:r>
-              <a:rPr sz="2500" b="0" i="0">
-                <a:solidFill>
-                  <a:srgbClr val="333333"/>
-                </a:solidFill>
-                <a:latin typeface="Tomorrow"/>
-                <a:ea typeface="Tomorrow"/>
-              </a:rPr>
-              <a:t>ntroduction to NLP  </a:t>
-            </a:r>
-            <a:endParaRPr sz="2500" b="0" i="0">
-              <a:solidFill>
-                <a:srgbClr val="333333"/>
-              </a:solidFill>
-              <a:latin typeface="Tomorrow"/>
-              <a:ea typeface="Tomorrow"/>
-            </a:endParaRPr>
-          </a:p>
-          <a:p>
-            <a:pPr marL="0" indent="0">
-              <a:spcBef>
-                <a:spcPct val="0"/>
-              </a:spcBef>
-              <a:spcAft>
-                <a:spcPct val="0"/>
-              </a:spcAft>
-            </a:pPr>
-            <a:r>
-              <a:rPr sz="1600" b="0" i="0">
-                <a:solidFill>
-                  <a:srgbClr val="333333"/>
-                </a:solidFill>
-                <a:latin typeface="Tomorrow"/>
-                <a:ea typeface="Tomorrow"/>
-              </a:rPr>
-              <a:t>What is Natural Language Processing</a:t>
-            </a:r>
-            <a:endParaRPr sz="1600" b="0" i="0">
-              <a:solidFill>
-                <a:srgbClr val="333333"/>
-              </a:solidFill>
-              <a:latin typeface="Tomorrow"/>
-              <a:ea typeface="Tomorrow"/>
-            </a:endParaRPr>
-          </a:p>
-          <a:p>
-            <a:pPr marL="0" indent="0">
-              <a:spcBef>
-                <a:spcPct val="0"/>
-              </a:spcBef>
-              <a:spcAft>
-                <a:spcPct val="0"/>
-              </a:spcAft>
-            </a:pPr>
-            <a:r>
-              <a:rPr sz="1600" b="0" i="0">
-                <a:solidFill>
-                  <a:srgbClr val="333333"/>
-                </a:solidFill>
-                <a:latin typeface="Tomorrow"/>
-                <a:ea typeface="Tomorrow"/>
-              </a:rPr>
-              <a:t>Uses of NLP</a:t>
-            </a:r>
-            <a:endParaRPr sz="1600" b="0" i="0">
-              <a:solidFill>
-                <a:srgbClr val="333333"/>
-              </a:solidFill>
-              <a:latin typeface="Tomorrow"/>
-              <a:ea typeface="Tomorrow"/>
-            </a:endParaRPr>
-          </a:p>
-          <a:p>
-            <a:pPr marL="0" indent="0">
-              <a:spcBef>
-                <a:spcPct val="0"/>
-              </a:spcBef>
-              <a:spcAft>
-                <a:spcPct val="0"/>
-              </a:spcAft>
-            </a:pPr>
-            <a:r>
-              <a:rPr sz="1600" b="0" i="0">
-                <a:solidFill>
-                  <a:srgbClr val="333333"/>
-                </a:solidFill>
-                <a:latin typeface="Tomorrow"/>
-                <a:ea typeface="Tomorrow"/>
-              </a:rPr>
-              <a:t>Application of NLP</a:t>
-            </a:r>
-            <a:endParaRPr sz="1600" b="0" i="0">
-              <a:solidFill>
-                <a:srgbClr val="333333"/>
-              </a:solidFill>
-              <a:latin typeface="Tomorrow"/>
-              <a:ea typeface="Tomorrow"/>
-            </a:endParaRPr>
-          </a:p>
-          <a:p>
-            <a:pPr marL="0" indent="0">
-              <a:spcBef>
-                <a:spcPct val="0"/>
-              </a:spcBef>
-              <a:spcAft>
-                <a:spcPct val="0"/>
-              </a:spcAft>
-            </a:pPr>
-            <a:r>
-              <a:rPr sz="1600" b="0" i="0">
-                <a:solidFill>
-                  <a:srgbClr val="333333"/>
-                </a:solidFill>
-                <a:latin typeface="Tomorrow"/>
-                <a:ea typeface="Tomorrow"/>
-              </a:rPr>
-              <a:t>Components of NLP</a:t>
-            </a:r>
-            <a:endParaRPr sz="1600" b="0" i="0">
-              <a:solidFill>
-                <a:srgbClr val="333333"/>
-              </a:solidFill>
-              <a:latin typeface="Tomorrow"/>
-              <a:ea typeface="Tomorrow"/>
-            </a:endParaRPr>
-          </a:p>
-          <a:p>
-            <a:pPr marL="0" indent="0">
-              <a:spcBef>
-                <a:spcPct val="0"/>
-              </a:spcBef>
-              <a:spcAft>
-                <a:spcPct val="0"/>
-              </a:spcAft>
-            </a:pPr>
-            <a:r>
-              <a:rPr sz="1600" b="0" i="0">
-                <a:solidFill>
-                  <a:srgbClr val="333333"/>
-                </a:solidFill>
-                <a:latin typeface="Tomorrow"/>
-                <a:ea typeface="Tomorrow"/>
-              </a:rPr>
-              <a:t>Stages of NLP</a:t>
-            </a:r>
-            <a:endParaRPr sz="1600" b="0" i="0">
-              <a:solidFill>
-                <a:srgbClr val="333333"/>
-              </a:solidFill>
-              <a:latin typeface="Tomorrow"/>
-              <a:ea typeface="Tomorrow"/>
-            </a:endParaRPr>
-          </a:p>
-          <a:p>
-            <a:pPr marL="0" indent="0">
-              <a:spcBef>
-                <a:spcPct val="0"/>
-              </a:spcBef>
-              <a:spcAft>
-                <a:spcPct val="0"/>
-              </a:spcAft>
-            </a:pPr>
-            <a:r>
-              <a:rPr sz="1600" b="0" i="0">
-                <a:solidFill>
-                  <a:srgbClr val="333333"/>
-                </a:solidFill>
-                <a:latin typeface="Tomorrow"/>
-                <a:ea typeface="Tomorrow"/>
-              </a:rPr>
-              <a:t>Assignment</a:t>
-            </a:r>
-            <a:endParaRPr sz="1600" b="0" i="0">
-              <a:solidFill>
-                <a:srgbClr val="333333"/>
-              </a:solidFill>
-              <a:latin typeface="Tomorrow"/>
-              <a:ea typeface="Tomorrow"/>
-            </a:endParaRPr>
-          </a:p>
-        </p:txBody>
-      </p:sp>
-      <p:sp>
-        <p:nvSpPr>
-          <p:cNvPr id="4" name="Text Box 3"/>
-          <p:cNvSpPr txBox="1"/>
-          <p:nvPr/>
-        </p:nvSpPr>
-        <p:spPr>
-          <a:xfrm>
-            <a:off x="514350" y="2493645"/>
-            <a:ext cx="5080000" cy="2755900"/>
-          </a:xfrm>
-          <a:prstGeom prst="rect">
-            <a:avLst/>
-          </a:prstGeom>
-        </p:spPr>
-        <p:txBody>
-          <a:bodyPr>
-            <a:spAutoFit/>
-          </a:bodyPr>
-          <a:p>
-            <a:pPr marL="0" indent="0">
-              <a:spcBef>
-                <a:spcPts val="1000"/>
-              </a:spcBef>
-              <a:spcAft>
-                <a:spcPts val="500"/>
-              </a:spcAft>
-            </a:pPr>
-            <a:r>
-              <a:rPr sz="2500" b="0" i="0">
-                <a:solidFill>
-                  <a:srgbClr val="333333"/>
-                </a:solidFill>
-                <a:latin typeface="Tomorrow"/>
-                <a:ea typeface="Tomorrow"/>
-              </a:rPr>
-              <a:t>Text Preprocessing  </a:t>
-            </a:r>
-            <a:endParaRPr sz="2500" b="0" i="0">
-              <a:solidFill>
-                <a:srgbClr val="333333"/>
-              </a:solidFill>
-              <a:latin typeface="Tomorrow"/>
-              <a:ea typeface="Tomorrow"/>
-            </a:endParaRPr>
-          </a:p>
-          <a:p>
-            <a:pPr marL="0" indent="0">
-              <a:spcBef>
-                <a:spcPct val="0"/>
-              </a:spcBef>
-              <a:spcAft>
-                <a:spcPct val="0"/>
-              </a:spcAft>
-            </a:pPr>
-            <a:r>
-              <a:rPr sz="1600" b="0" i="0">
-                <a:solidFill>
-                  <a:srgbClr val="333333"/>
-                </a:solidFill>
-                <a:latin typeface="Tomorrow"/>
-                <a:ea typeface="Tomorrow"/>
-              </a:rPr>
-              <a:t>Tokenization</a:t>
-            </a:r>
-            <a:endParaRPr sz="1600" b="0" i="0">
-              <a:solidFill>
-                <a:srgbClr val="333333"/>
-              </a:solidFill>
-              <a:latin typeface="Tomorrow"/>
-              <a:ea typeface="Tomorrow"/>
-            </a:endParaRPr>
-          </a:p>
-          <a:p>
-            <a:pPr marL="0" indent="0">
-              <a:spcBef>
-                <a:spcPct val="0"/>
-              </a:spcBef>
-              <a:spcAft>
-                <a:spcPct val="0"/>
-              </a:spcAft>
-            </a:pPr>
-            <a:r>
-              <a:rPr sz="1600" b="0" i="0">
-                <a:solidFill>
-                  <a:srgbClr val="333333"/>
-                </a:solidFill>
-                <a:latin typeface="Tomorrow"/>
-                <a:ea typeface="Tomorrow"/>
-              </a:rPr>
-              <a:t>Non Alphabets Removal</a:t>
-            </a:r>
-            <a:endParaRPr sz="1600" b="0" i="0">
-              <a:solidFill>
-                <a:srgbClr val="333333"/>
-              </a:solidFill>
-              <a:latin typeface="Tomorrow"/>
-              <a:ea typeface="Tomorrow"/>
-            </a:endParaRPr>
-          </a:p>
-          <a:p>
-            <a:pPr marL="0" indent="0">
-              <a:spcBef>
-                <a:spcPct val="0"/>
-              </a:spcBef>
-              <a:spcAft>
-                <a:spcPct val="0"/>
-              </a:spcAft>
-            </a:pPr>
-            <a:r>
-              <a:rPr sz="1600" b="0" i="0">
-                <a:solidFill>
-                  <a:srgbClr val="333333"/>
-                </a:solidFill>
-                <a:latin typeface="Tomorrow"/>
-                <a:ea typeface="Tomorrow"/>
-              </a:rPr>
-              <a:t>Stopwords Removal</a:t>
-            </a:r>
-            <a:endParaRPr sz="1600" b="0" i="0">
-              <a:solidFill>
-                <a:srgbClr val="333333"/>
-              </a:solidFill>
-              <a:latin typeface="Tomorrow"/>
-              <a:ea typeface="Tomorrow"/>
-            </a:endParaRPr>
-          </a:p>
-          <a:p>
-            <a:pPr marL="0" indent="0">
-              <a:spcBef>
-                <a:spcPct val="0"/>
-              </a:spcBef>
-              <a:spcAft>
-                <a:spcPct val="0"/>
-              </a:spcAft>
-            </a:pPr>
-            <a:r>
-              <a:rPr sz="1600" b="0" i="0">
-                <a:solidFill>
-                  <a:srgbClr val="333333"/>
-                </a:solidFill>
-                <a:latin typeface="Tomorrow"/>
-                <a:ea typeface="Tomorrow"/>
-              </a:rPr>
-              <a:t>Bag of Words</a:t>
-            </a:r>
-            <a:endParaRPr sz="1600" b="0" i="0">
-              <a:solidFill>
-                <a:srgbClr val="333333"/>
-              </a:solidFill>
-              <a:latin typeface="Tomorrow"/>
-              <a:ea typeface="Tomorrow"/>
-            </a:endParaRPr>
-          </a:p>
-          <a:p>
-            <a:pPr marL="0" indent="0">
-              <a:spcBef>
-                <a:spcPct val="0"/>
-              </a:spcBef>
-              <a:spcAft>
-                <a:spcPct val="0"/>
-              </a:spcAft>
-            </a:pPr>
-            <a:r>
-              <a:rPr sz="1600" b="0" i="0">
-                <a:solidFill>
-                  <a:srgbClr val="333333"/>
-                </a:solidFill>
-                <a:latin typeface="Tomorrow"/>
-                <a:ea typeface="Tomorrow"/>
-              </a:rPr>
-              <a:t>Stemming &amp; Lemmatization</a:t>
-            </a:r>
-            <a:endParaRPr sz="1600" b="0" i="0">
-              <a:solidFill>
-                <a:srgbClr val="333333"/>
-              </a:solidFill>
-              <a:latin typeface="Tomorrow"/>
-              <a:ea typeface="Tomorrow"/>
-            </a:endParaRPr>
-          </a:p>
-          <a:p>
-            <a:pPr marL="0" indent="0">
-              <a:spcBef>
-                <a:spcPct val="0"/>
-              </a:spcBef>
-              <a:spcAft>
-                <a:spcPct val="0"/>
-              </a:spcAft>
-            </a:pPr>
-            <a:r>
-              <a:rPr sz="1600" b="0" i="0">
-                <a:solidFill>
-                  <a:srgbClr val="333333"/>
-                </a:solidFill>
-                <a:latin typeface="Tomorrow"/>
-                <a:ea typeface="Tomorrow"/>
-              </a:rPr>
-              <a:t>Part of Speech Taging</a:t>
-            </a:r>
-            <a:endParaRPr sz="1600" b="0" i="0">
-              <a:solidFill>
-                <a:srgbClr val="333333"/>
-              </a:solidFill>
-              <a:latin typeface="Tomorrow"/>
-              <a:ea typeface="Tomorrow"/>
-            </a:endParaRPr>
-          </a:p>
-          <a:p>
-            <a:pPr marL="0" indent="0">
-              <a:spcBef>
-                <a:spcPct val="0"/>
-              </a:spcBef>
-              <a:spcAft>
-                <a:spcPct val="0"/>
-              </a:spcAft>
-            </a:pPr>
-            <a:r>
-              <a:rPr sz="1600" b="0" i="0">
-                <a:solidFill>
-                  <a:srgbClr val="333333"/>
-                </a:solidFill>
-                <a:latin typeface="Tomorrow"/>
-                <a:ea typeface="Tomorrow"/>
-              </a:rPr>
-              <a:t>Name Entity Recognition</a:t>
-            </a:r>
-            <a:endParaRPr sz="1600" b="0" i="0">
-              <a:solidFill>
-                <a:srgbClr val="333333"/>
-              </a:solidFill>
-              <a:latin typeface="Tomorrow"/>
-              <a:ea typeface="Tomorrow"/>
-            </a:endParaRPr>
-          </a:p>
-          <a:p>
-            <a:pPr marL="0" indent="0">
-              <a:spcBef>
-                <a:spcPct val="0"/>
-              </a:spcBef>
-              <a:spcAft>
-                <a:spcPct val="0"/>
-              </a:spcAft>
-            </a:pPr>
-            <a:r>
-              <a:rPr sz="1600" b="0" i="0">
-                <a:solidFill>
-                  <a:srgbClr val="333333"/>
-                </a:solidFill>
-                <a:latin typeface="Tomorrow"/>
-                <a:ea typeface="Tomorrow"/>
-              </a:rPr>
-              <a:t>Text Visualization</a:t>
-            </a:r>
-            <a:endParaRPr sz="1600" b="0" i="0">
-              <a:solidFill>
-                <a:srgbClr val="333333"/>
-              </a:solidFill>
-              <a:latin typeface="Tomorrow"/>
-              <a:ea typeface="Tomorrow"/>
-            </a:endParaRPr>
-          </a:p>
-          <a:p>
-            <a:pPr marL="0" indent="0">
-              <a:spcBef>
-                <a:spcPct val="0"/>
-              </a:spcBef>
-              <a:spcAft>
-                <a:spcPct val="0"/>
-              </a:spcAft>
-            </a:pPr>
-            <a:r>
-              <a:rPr sz="1600" b="0" i="0">
-                <a:solidFill>
-                  <a:srgbClr val="333333"/>
-                </a:solidFill>
-                <a:latin typeface="Tomorrow"/>
-                <a:ea typeface="Tomorrow"/>
-              </a:rPr>
-              <a:t>Assignment</a:t>
-            </a:r>
-            <a:endParaRPr sz="1600" b="0" i="0">
-              <a:solidFill>
-                <a:srgbClr val="333333"/>
-              </a:solidFill>
-              <a:latin typeface="Tomorrow"/>
-              <a:ea typeface="Tomorrow"/>
-            </a:endParaRPr>
-          </a:p>
-        </p:txBody>
-      </p:sp>
-      <p:sp>
-        <p:nvSpPr>
-          <p:cNvPr id="5" name="Text Box 4"/>
-          <p:cNvSpPr txBox="1"/>
-          <p:nvPr/>
-        </p:nvSpPr>
-        <p:spPr>
-          <a:xfrm>
-            <a:off x="514350" y="4979352"/>
-            <a:ext cx="5080000" cy="1771015"/>
-          </a:xfrm>
-          <a:prstGeom prst="rect">
-            <a:avLst/>
-          </a:prstGeom>
-        </p:spPr>
-        <p:txBody>
-          <a:bodyPr>
-            <a:spAutoFit/>
-          </a:bodyPr>
-          <a:p>
-            <a:pPr marL="0" indent="0">
-              <a:spcBef>
-                <a:spcPts val="1000"/>
-              </a:spcBef>
-              <a:spcAft>
-                <a:spcPts val="500"/>
-              </a:spcAft>
-            </a:pPr>
-            <a:r>
-              <a:rPr sz="2500" b="0" i="0">
-                <a:solidFill>
-                  <a:srgbClr val="333333"/>
-                </a:solidFill>
-                <a:latin typeface="Tomorrow"/>
-                <a:ea typeface="Tomorrow"/>
-              </a:rPr>
-              <a:t>Text Classification  </a:t>
-            </a:r>
-            <a:endParaRPr sz="2500" b="0" i="0">
-              <a:solidFill>
-                <a:srgbClr val="333333"/>
-              </a:solidFill>
-              <a:latin typeface="Tomorrow"/>
-              <a:ea typeface="Tomorrow"/>
-            </a:endParaRPr>
-          </a:p>
-          <a:p>
-            <a:pPr marL="0" indent="0">
-              <a:spcBef>
-                <a:spcPct val="0"/>
-              </a:spcBef>
-              <a:spcAft>
-                <a:spcPct val="0"/>
-              </a:spcAft>
-            </a:pPr>
-            <a:r>
-              <a:rPr sz="1600" b="0" i="0">
-                <a:solidFill>
-                  <a:srgbClr val="333333"/>
-                </a:solidFill>
-                <a:latin typeface="Tomorrow"/>
-                <a:ea typeface="Tomorrow"/>
-              </a:rPr>
-              <a:t>CountVectorization</a:t>
-            </a:r>
-            <a:endParaRPr sz="1600" b="0" i="0">
-              <a:solidFill>
-                <a:srgbClr val="333333"/>
-              </a:solidFill>
-              <a:latin typeface="Tomorrow"/>
-              <a:ea typeface="Tomorrow"/>
-            </a:endParaRPr>
-          </a:p>
-          <a:p>
-            <a:pPr marL="0" indent="0">
-              <a:spcBef>
-                <a:spcPct val="0"/>
-              </a:spcBef>
-              <a:spcAft>
-                <a:spcPct val="0"/>
-              </a:spcAft>
-            </a:pPr>
-            <a:r>
-              <a:rPr sz="1600" b="0" i="0">
-                <a:solidFill>
-                  <a:srgbClr val="333333"/>
-                </a:solidFill>
-                <a:latin typeface="Tomorrow"/>
-                <a:ea typeface="Tomorrow"/>
-              </a:rPr>
-              <a:t>Text Classification with ML</a:t>
-            </a:r>
-            <a:endParaRPr sz="1600" b="0" i="0">
-              <a:solidFill>
-                <a:srgbClr val="333333"/>
-              </a:solidFill>
-              <a:latin typeface="Tomorrow"/>
-              <a:ea typeface="Tomorrow"/>
-            </a:endParaRPr>
-          </a:p>
-          <a:p>
-            <a:pPr marL="0" indent="0">
-              <a:spcBef>
-                <a:spcPct val="0"/>
-              </a:spcBef>
-              <a:spcAft>
-                <a:spcPct val="0"/>
-              </a:spcAft>
-            </a:pPr>
-            <a:r>
-              <a:rPr sz="1600" b="0" i="0">
-                <a:solidFill>
-                  <a:srgbClr val="333333"/>
-                </a:solidFill>
-                <a:latin typeface="Tomorrow"/>
-                <a:ea typeface="Tomorrow"/>
-              </a:rPr>
-              <a:t>TFIDF Vectorization</a:t>
-            </a:r>
-            <a:endParaRPr sz="1600" b="0" i="0">
-              <a:solidFill>
-                <a:srgbClr val="333333"/>
-              </a:solidFill>
-              <a:latin typeface="Tomorrow"/>
-              <a:ea typeface="Tomorrow"/>
-            </a:endParaRPr>
-          </a:p>
-          <a:p>
-            <a:pPr marL="0" indent="0">
-              <a:spcBef>
-                <a:spcPct val="0"/>
-              </a:spcBef>
-              <a:spcAft>
-                <a:spcPct val="0"/>
-              </a:spcAft>
-            </a:pPr>
-            <a:r>
-              <a:rPr sz="1600" b="0" i="0">
-                <a:solidFill>
-                  <a:srgbClr val="333333"/>
-                </a:solidFill>
-                <a:latin typeface="Tomorrow"/>
-                <a:ea typeface="Tomorrow"/>
-              </a:rPr>
-              <a:t>Text Classification with ANN</a:t>
-            </a:r>
-            <a:endParaRPr sz="1600" b="0" i="0">
-              <a:solidFill>
-                <a:srgbClr val="333333"/>
-              </a:solidFill>
-              <a:latin typeface="Tomorrow"/>
-              <a:ea typeface="Tomorrow"/>
-            </a:endParaRPr>
-          </a:p>
-          <a:p>
-            <a:pPr marL="0" indent="0">
-              <a:spcBef>
-                <a:spcPct val="0"/>
-              </a:spcBef>
-              <a:spcAft>
-                <a:spcPct val="0"/>
-              </a:spcAft>
-            </a:pPr>
-            <a:r>
-              <a:rPr sz="1600" b="0" i="0">
-                <a:solidFill>
-                  <a:srgbClr val="333333"/>
-                </a:solidFill>
-                <a:latin typeface="Tomorrow"/>
-                <a:ea typeface="Tomorrow"/>
-              </a:rPr>
-              <a:t>Assignment</a:t>
-            </a:r>
-            <a:endParaRPr sz="1600" b="0" i="0">
-              <a:solidFill>
-                <a:srgbClr val="333333"/>
-              </a:solidFill>
-              <a:latin typeface="Tomorrow"/>
-              <a:ea typeface="Tomorrow"/>
-            </a:endParaRPr>
-          </a:p>
-        </p:txBody>
-      </p:sp>
-      <p:sp>
-        <p:nvSpPr>
-          <p:cNvPr id="6" name="Text Box 5"/>
-          <p:cNvSpPr txBox="1"/>
-          <p:nvPr/>
-        </p:nvSpPr>
-        <p:spPr>
-          <a:xfrm>
-            <a:off x="4979035" y="623887"/>
-            <a:ext cx="5080000" cy="1771015"/>
-          </a:xfrm>
-          <a:prstGeom prst="rect">
-            <a:avLst/>
-          </a:prstGeom>
-        </p:spPr>
-        <p:txBody>
-          <a:bodyPr>
-            <a:spAutoFit/>
-          </a:bodyPr>
-          <a:p>
-            <a:pPr marL="0" indent="0">
-              <a:spcBef>
-                <a:spcPts val="1000"/>
-              </a:spcBef>
-              <a:spcAft>
-                <a:spcPts val="500"/>
-              </a:spcAft>
-            </a:pPr>
-            <a:r>
-              <a:rPr sz="2500" b="0" i="0">
-                <a:solidFill>
-                  <a:srgbClr val="333333"/>
-                </a:solidFill>
-                <a:latin typeface="Tomorrow"/>
-                <a:ea typeface="Tomorrow"/>
-              </a:rPr>
-              <a:t>Sentiment Analysis  </a:t>
-            </a:r>
-            <a:endParaRPr sz="2500" b="0" i="0">
-              <a:solidFill>
-                <a:srgbClr val="333333"/>
-              </a:solidFill>
-              <a:latin typeface="Tomorrow"/>
-              <a:ea typeface="Tomorrow"/>
-            </a:endParaRPr>
-          </a:p>
-          <a:p>
-            <a:pPr marL="0" indent="0">
-              <a:spcBef>
-                <a:spcPct val="0"/>
-              </a:spcBef>
-              <a:spcAft>
-                <a:spcPct val="0"/>
-              </a:spcAft>
-            </a:pPr>
-            <a:r>
-              <a:rPr sz="1600" b="0" i="0">
-                <a:solidFill>
-                  <a:srgbClr val="333333"/>
-                </a:solidFill>
-                <a:latin typeface="Tomorrow"/>
-                <a:ea typeface="Tomorrow"/>
-              </a:rPr>
-              <a:t>What is Sentiment Analysis</a:t>
-            </a:r>
-            <a:endParaRPr sz="1600" b="0" i="0">
-              <a:solidFill>
-                <a:srgbClr val="333333"/>
-              </a:solidFill>
-              <a:latin typeface="Tomorrow"/>
-              <a:ea typeface="Tomorrow"/>
-            </a:endParaRPr>
-          </a:p>
-          <a:p>
-            <a:pPr marL="0" indent="0">
-              <a:spcBef>
-                <a:spcPct val="0"/>
-              </a:spcBef>
-              <a:spcAft>
-                <a:spcPct val="0"/>
-              </a:spcAft>
-            </a:pPr>
-            <a:r>
-              <a:rPr sz="1600" b="0" i="0">
-                <a:solidFill>
-                  <a:srgbClr val="333333"/>
-                </a:solidFill>
-                <a:latin typeface="Tomorrow"/>
-                <a:ea typeface="Tomorrow"/>
-              </a:rPr>
-              <a:t>Challenges in Sentiment Analysis</a:t>
-            </a:r>
-            <a:endParaRPr sz="1600" b="0" i="0">
-              <a:solidFill>
-                <a:srgbClr val="333333"/>
-              </a:solidFill>
-              <a:latin typeface="Tomorrow"/>
-              <a:ea typeface="Tomorrow"/>
-            </a:endParaRPr>
-          </a:p>
-          <a:p>
-            <a:pPr marL="0" indent="0">
-              <a:spcBef>
-                <a:spcPct val="0"/>
-              </a:spcBef>
-              <a:spcAft>
-                <a:spcPct val="0"/>
-              </a:spcAft>
-            </a:pPr>
-            <a:r>
-              <a:rPr sz="1600" b="0" i="0">
-                <a:solidFill>
-                  <a:srgbClr val="333333"/>
-                </a:solidFill>
-                <a:latin typeface="Tomorrow"/>
-                <a:ea typeface="Tomorrow"/>
-              </a:rPr>
-              <a:t>Handling Emoticons</a:t>
-            </a:r>
-            <a:endParaRPr sz="1600" b="0" i="0">
-              <a:solidFill>
-                <a:srgbClr val="333333"/>
-              </a:solidFill>
-              <a:latin typeface="Tomorrow"/>
-              <a:ea typeface="Tomorrow"/>
-            </a:endParaRPr>
-          </a:p>
-          <a:p>
-            <a:pPr marL="0" indent="0">
-              <a:spcBef>
-                <a:spcPct val="0"/>
-              </a:spcBef>
-              <a:spcAft>
-                <a:spcPct val="0"/>
-              </a:spcAft>
-            </a:pPr>
-            <a:r>
-              <a:rPr sz="1600" b="0" i="0">
-                <a:solidFill>
-                  <a:srgbClr val="333333"/>
-                </a:solidFill>
-                <a:latin typeface="Tomorrow"/>
-                <a:ea typeface="Tomorrow"/>
-              </a:rPr>
-              <a:t>Sentiment Analysis with ANN</a:t>
-            </a:r>
-            <a:endParaRPr sz="1600" b="0" i="0">
-              <a:solidFill>
-                <a:srgbClr val="333333"/>
-              </a:solidFill>
-              <a:latin typeface="Tomorrow"/>
-              <a:ea typeface="Tomorrow"/>
-            </a:endParaRPr>
-          </a:p>
-          <a:p>
-            <a:pPr marL="0" indent="0">
-              <a:spcBef>
-                <a:spcPct val="0"/>
-              </a:spcBef>
-              <a:spcAft>
-                <a:spcPct val="0"/>
-              </a:spcAft>
-            </a:pPr>
-            <a:r>
-              <a:rPr sz="1600" b="0" i="0">
-                <a:solidFill>
-                  <a:srgbClr val="333333"/>
-                </a:solidFill>
-                <a:latin typeface="Tomorrow"/>
-                <a:ea typeface="Tomorrow"/>
-              </a:rPr>
-              <a:t>Assignment</a:t>
-            </a:r>
-            <a:endParaRPr sz="1600" b="0" i="0">
-              <a:solidFill>
-                <a:srgbClr val="333333"/>
-              </a:solidFill>
-              <a:latin typeface="Tomorrow"/>
-              <a:ea typeface="Tomorrow"/>
-            </a:endParaRPr>
-          </a:p>
-        </p:txBody>
-      </p:sp>
-      <p:sp>
-        <p:nvSpPr>
-          <p:cNvPr id="7" name="Text Box 6"/>
-          <p:cNvSpPr txBox="1"/>
-          <p:nvPr/>
-        </p:nvSpPr>
-        <p:spPr>
-          <a:xfrm>
-            <a:off x="4979035" y="2247265"/>
-            <a:ext cx="5080000" cy="3002280"/>
-          </a:xfrm>
-          <a:prstGeom prst="rect">
-            <a:avLst/>
-          </a:prstGeom>
-        </p:spPr>
-        <p:txBody>
-          <a:bodyPr>
-            <a:spAutoFit/>
-          </a:bodyPr>
-          <a:p>
-            <a:pPr marL="0" indent="0">
-              <a:spcBef>
-                <a:spcPts val="1000"/>
-              </a:spcBef>
-              <a:spcAft>
-                <a:spcPts val="500"/>
-              </a:spcAft>
-            </a:pPr>
-            <a:r>
-              <a:rPr sz="2500" b="0" i="0">
-                <a:solidFill>
-                  <a:srgbClr val="333333"/>
-                </a:solidFill>
-                <a:latin typeface="Tomorrow"/>
-                <a:ea typeface="Tomorrow"/>
-              </a:rPr>
-              <a:t>Sequence Model  </a:t>
-            </a:r>
-            <a:endParaRPr sz="2500" b="0" i="0">
-              <a:solidFill>
-                <a:srgbClr val="333333"/>
-              </a:solidFill>
-              <a:latin typeface="Tomorrow"/>
-              <a:ea typeface="Tomorrow"/>
-            </a:endParaRPr>
-          </a:p>
-          <a:p>
-            <a:pPr marL="0" indent="0">
-              <a:spcBef>
-                <a:spcPct val="0"/>
-              </a:spcBef>
-              <a:spcAft>
-                <a:spcPct val="0"/>
-              </a:spcAft>
-            </a:pPr>
-            <a:r>
-              <a:rPr sz="1600" b="0" i="0">
-                <a:solidFill>
-                  <a:srgbClr val="333333"/>
-                </a:solidFill>
-                <a:latin typeface="Tomorrow"/>
-                <a:ea typeface="Tomorrow"/>
-              </a:rPr>
-              <a:t>Sequential Data</a:t>
-            </a:r>
-            <a:endParaRPr sz="1600" b="0" i="0">
-              <a:solidFill>
-                <a:srgbClr val="333333"/>
-              </a:solidFill>
-              <a:latin typeface="Tomorrow"/>
-              <a:ea typeface="Tomorrow"/>
-            </a:endParaRPr>
-          </a:p>
-          <a:p>
-            <a:pPr marL="0" indent="0">
-              <a:spcBef>
-                <a:spcPct val="0"/>
-              </a:spcBef>
-              <a:spcAft>
-                <a:spcPct val="0"/>
-              </a:spcAft>
-            </a:pPr>
-            <a:r>
-              <a:rPr sz="1600" b="0" i="0">
-                <a:solidFill>
-                  <a:srgbClr val="333333"/>
-                </a:solidFill>
-                <a:latin typeface="Tomorrow"/>
-                <a:ea typeface="Tomorrow"/>
-              </a:rPr>
-              <a:t>Recurrent Neural Network</a:t>
-            </a:r>
-            <a:endParaRPr sz="1600" b="0" i="0">
-              <a:solidFill>
-                <a:srgbClr val="333333"/>
-              </a:solidFill>
-              <a:latin typeface="Tomorrow"/>
-              <a:ea typeface="Tomorrow"/>
-            </a:endParaRPr>
-          </a:p>
-          <a:p>
-            <a:pPr marL="0" indent="0">
-              <a:spcBef>
-                <a:spcPct val="0"/>
-              </a:spcBef>
-              <a:spcAft>
-                <a:spcPct val="0"/>
-              </a:spcAft>
-            </a:pPr>
-            <a:r>
-              <a:rPr sz="1600" b="0" i="0">
-                <a:solidFill>
-                  <a:srgbClr val="333333"/>
-                </a:solidFill>
-                <a:latin typeface="Tomorrow"/>
-                <a:ea typeface="Tomorrow"/>
-              </a:rPr>
-              <a:t>Multi-layer &amp; Bi-directional RNN</a:t>
-            </a:r>
-            <a:endParaRPr sz="1600" b="0" i="0">
-              <a:solidFill>
-                <a:srgbClr val="333333"/>
-              </a:solidFill>
-              <a:latin typeface="Tomorrow"/>
-              <a:ea typeface="Tomorrow"/>
-            </a:endParaRPr>
-          </a:p>
-          <a:p>
-            <a:pPr marL="0" indent="0">
-              <a:spcBef>
-                <a:spcPct val="0"/>
-              </a:spcBef>
-              <a:spcAft>
-                <a:spcPct val="0"/>
-              </a:spcAft>
-            </a:pPr>
-            <a:r>
-              <a:rPr sz="1600" b="0" i="0">
-                <a:solidFill>
-                  <a:srgbClr val="333333"/>
-                </a:solidFill>
-                <a:latin typeface="Tomorrow"/>
-                <a:ea typeface="Tomorrow"/>
-              </a:rPr>
-              <a:t>Architecture of RNN</a:t>
-            </a:r>
-            <a:endParaRPr sz="1600" b="0" i="0">
-              <a:solidFill>
-                <a:srgbClr val="333333"/>
-              </a:solidFill>
-              <a:latin typeface="Tomorrow"/>
-              <a:ea typeface="Tomorrow"/>
-            </a:endParaRPr>
-          </a:p>
-          <a:p>
-            <a:pPr marL="0" indent="0">
-              <a:spcBef>
-                <a:spcPct val="0"/>
-              </a:spcBef>
-              <a:spcAft>
-                <a:spcPct val="0"/>
-              </a:spcAft>
-            </a:pPr>
-            <a:r>
-              <a:rPr sz="1600" b="0" i="0">
-                <a:solidFill>
-                  <a:srgbClr val="333333"/>
-                </a:solidFill>
-                <a:latin typeface="Tomorrow"/>
-                <a:ea typeface="Tomorrow"/>
-              </a:rPr>
-              <a:t>Vanishing Gradient Problem in RNN</a:t>
-            </a:r>
-            <a:endParaRPr sz="1600" b="0" i="0">
-              <a:solidFill>
-                <a:srgbClr val="333333"/>
-              </a:solidFill>
-              <a:latin typeface="Tomorrow"/>
-              <a:ea typeface="Tomorrow"/>
-            </a:endParaRPr>
-          </a:p>
-          <a:p>
-            <a:pPr marL="0" indent="0">
-              <a:spcBef>
-                <a:spcPct val="0"/>
-              </a:spcBef>
-              <a:spcAft>
-                <a:spcPct val="0"/>
-              </a:spcAft>
-            </a:pPr>
-            <a:r>
-              <a:rPr sz="1600" b="0" i="0">
-                <a:solidFill>
-                  <a:srgbClr val="333333"/>
-                </a:solidFill>
-                <a:latin typeface="Tomorrow"/>
-                <a:ea typeface="Tomorrow"/>
-              </a:rPr>
-              <a:t>Long Short Term Memory</a:t>
-            </a:r>
-            <a:endParaRPr sz="1600" b="0" i="0">
-              <a:solidFill>
-                <a:srgbClr val="333333"/>
-              </a:solidFill>
-              <a:latin typeface="Tomorrow"/>
-              <a:ea typeface="Tomorrow"/>
-            </a:endParaRPr>
-          </a:p>
-          <a:p>
-            <a:pPr marL="0" indent="0">
-              <a:spcBef>
-                <a:spcPct val="0"/>
-              </a:spcBef>
-              <a:spcAft>
-                <a:spcPct val="0"/>
-              </a:spcAft>
-            </a:pPr>
-            <a:r>
-              <a:rPr sz="1600" b="0" i="0">
-                <a:solidFill>
-                  <a:srgbClr val="333333"/>
-                </a:solidFill>
-                <a:latin typeface="Tomorrow"/>
-                <a:ea typeface="Tomorrow"/>
-              </a:rPr>
-              <a:t>Multi-layer &amp; Bi-directional LSTM</a:t>
-            </a:r>
-            <a:endParaRPr sz="1600" b="0" i="0">
-              <a:solidFill>
-                <a:srgbClr val="333333"/>
-              </a:solidFill>
-              <a:latin typeface="Tomorrow"/>
-              <a:ea typeface="Tomorrow"/>
-            </a:endParaRPr>
-          </a:p>
-          <a:p>
-            <a:pPr marL="0" indent="0">
-              <a:spcBef>
-                <a:spcPct val="0"/>
-              </a:spcBef>
-              <a:spcAft>
-                <a:spcPct val="0"/>
-              </a:spcAft>
-            </a:pPr>
-            <a:r>
-              <a:rPr sz="1600" b="0" i="0">
-                <a:solidFill>
-                  <a:srgbClr val="333333"/>
-                </a:solidFill>
-                <a:latin typeface="Tomorrow"/>
-                <a:ea typeface="Tomorrow"/>
-              </a:rPr>
-              <a:t>Gated Recurrent Unit</a:t>
-            </a:r>
-            <a:endParaRPr sz="1600" b="0" i="0">
-              <a:solidFill>
-                <a:srgbClr val="333333"/>
-              </a:solidFill>
-              <a:latin typeface="Tomorrow"/>
-              <a:ea typeface="Tomorrow"/>
-            </a:endParaRPr>
-          </a:p>
-          <a:p>
-            <a:pPr marL="0" indent="0">
-              <a:spcBef>
-                <a:spcPct val="0"/>
-              </a:spcBef>
-              <a:spcAft>
-                <a:spcPct val="0"/>
-              </a:spcAft>
-            </a:pPr>
-            <a:r>
-              <a:rPr sz="1600" b="0" i="0">
-                <a:solidFill>
-                  <a:srgbClr val="333333"/>
-                </a:solidFill>
-                <a:latin typeface="Tomorrow"/>
-                <a:ea typeface="Tomorrow"/>
-              </a:rPr>
-              <a:t>Multi-layer &amp; Bi-directional GRU</a:t>
-            </a:r>
-            <a:endParaRPr sz="1600" b="0" i="0">
-              <a:solidFill>
-                <a:srgbClr val="333333"/>
-              </a:solidFill>
-              <a:latin typeface="Tomorrow"/>
-              <a:ea typeface="Tomorrow"/>
-            </a:endParaRPr>
-          </a:p>
-          <a:p>
-            <a:pPr marL="0" indent="0">
-              <a:spcBef>
-                <a:spcPct val="0"/>
-              </a:spcBef>
-              <a:spcAft>
-                <a:spcPct val="0"/>
-              </a:spcAft>
-            </a:pPr>
-            <a:r>
-              <a:rPr sz="1600" b="0" i="0">
-                <a:solidFill>
-                  <a:srgbClr val="333333"/>
-                </a:solidFill>
-                <a:latin typeface="Tomorrow"/>
-                <a:ea typeface="Tomorrow"/>
-              </a:rPr>
-              <a:t>Assignment</a:t>
-            </a:r>
-            <a:endParaRPr sz="1600" b="0" i="0">
-              <a:solidFill>
-                <a:srgbClr val="333333"/>
-              </a:solidFill>
-              <a:latin typeface="Tomorrow"/>
-              <a:ea typeface="Tomorrow"/>
-            </a:endParaRPr>
-          </a:p>
-        </p:txBody>
-      </p:sp>
-      <p:sp>
-        <p:nvSpPr>
-          <p:cNvPr id="8" name="Text Box 7"/>
-          <p:cNvSpPr txBox="1"/>
-          <p:nvPr/>
-        </p:nvSpPr>
-        <p:spPr>
-          <a:xfrm>
-            <a:off x="4599940" y="5225098"/>
-            <a:ext cx="5080000" cy="1524635"/>
-          </a:xfrm>
-          <a:prstGeom prst="rect">
-            <a:avLst/>
-          </a:prstGeom>
-        </p:spPr>
-        <p:txBody>
-          <a:bodyPr>
-            <a:spAutoFit/>
-          </a:bodyPr>
-          <a:p>
-            <a:pPr marL="0" indent="0">
-              <a:spcBef>
-                <a:spcPts val="1000"/>
-              </a:spcBef>
-              <a:spcAft>
-                <a:spcPts val="500"/>
-              </a:spcAft>
-            </a:pPr>
-            <a:r>
-              <a:rPr sz="2500" b="0" i="0">
-                <a:solidFill>
-                  <a:srgbClr val="333333"/>
-                </a:solidFill>
-                <a:latin typeface="Tomorrow"/>
-                <a:ea typeface="Tomorrow"/>
-              </a:rPr>
-              <a:t>Transformers Based Models  </a:t>
-            </a:r>
-            <a:endParaRPr sz="2500" b="0" i="0">
-              <a:solidFill>
-                <a:srgbClr val="333333"/>
-              </a:solidFill>
-              <a:latin typeface="Tomorrow"/>
-              <a:ea typeface="Tomorrow"/>
-            </a:endParaRPr>
-          </a:p>
-          <a:p>
-            <a:pPr marL="0" indent="0">
-              <a:spcBef>
-                <a:spcPct val="0"/>
-              </a:spcBef>
-              <a:spcAft>
-                <a:spcPct val="0"/>
-              </a:spcAft>
-            </a:pPr>
-            <a:r>
-              <a:rPr sz="1600" b="0" i="0">
-                <a:solidFill>
-                  <a:srgbClr val="333333"/>
-                </a:solidFill>
-                <a:latin typeface="Tomorrow"/>
-                <a:ea typeface="Tomorrow"/>
-              </a:rPr>
-              <a:t>Sequence to Sequence Model</a:t>
-            </a:r>
-            <a:endParaRPr sz="1600" b="0" i="0">
-              <a:solidFill>
-                <a:srgbClr val="333333"/>
-              </a:solidFill>
-              <a:latin typeface="Tomorrow"/>
-              <a:ea typeface="Tomorrow"/>
-            </a:endParaRPr>
-          </a:p>
-          <a:p>
-            <a:pPr marL="0" indent="0">
-              <a:spcBef>
-                <a:spcPct val="0"/>
-              </a:spcBef>
-              <a:spcAft>
-                <a:spcPct val="0"/>
-              </a:spcAft>
-            </a:pPr>
-            <a:r>
-              <a:rPr sz="1600" b="0" i="0">
-                <a:solidFill>
-                  <a:srgbClr val="333333"/>
-                </a:solidFill>
-                <a:latin typeface="Tomorrow"/>
-                <a:ea typeface="Tomorrow"/>
-              </a:rPr>
-              <a:t>Attention Machanism</a:t>
-            </a:r>
-            <a:endParaRPr sz="1600" b="0" i="0">
-              <a:solidFill>
-                <a:srgbClr val="333333"/>
-              </a:solidFill>
-              <a:latin typeface="Tomorrow"/>
-              <a:ea typeface="Tomorrow"/>
-            </a:endParaRPr>
-          </a:p>
-          <a:p>
-            <a:pPr marL="0" indent="0">
-              <a:spcBef>
-                <a:spcPct val="0"/>
-              </a:spcBef>
-              <a:spcAft>
-                <a:spcPct val="0"/>
-              </a:spcAft>
-            </a:pPr>
-            <a:r>
-              <a:rPr sz="1600" b="0" i="0">
-                <a:solidFill>
-                  <a:srgbClr val="333333"/>
-                </a:solidFill>
-                <a:latin typeface="Tomorrow"/>
-                <a:ea typeface="Tomorrow"/>
-              </a:rPr>
-              <a:t>Transformers</a:t>
-            </a:r>
-            <a:endParaRPr sz="1600" b="0" i="0">
-              <a:solidFill>
-                <a:srgbClr val="333333"/>
-              </a:solidFill>
-              <a:latin typeface="Tomorrow"/>
-              <a:ea typeface="Tomorrow"/>
-            </a:endParaRPr>
-          </a:p>
-          <a:p>
-            <a:pPr marL="0" indent="0">
-              <a:spcBef>
-                <a:spcPct val="0"/>
-              </a:spcBef>
-              <a:spcAft>
-                <a:spcPct val="0"/>
-              </a:spcAft>
-            </a:pPr>
-            <a:r>
-              <a:rPr sz="1600" b="0" i="0">
-                <a:solidFill>
-                  <a:srgbClr val="333333"/>
-                </a:solidFill>
-                <a:latin typeface="Tomorrow"/>
-                <a:ea typeface="Tomorrow"/>
-              </a:rPr>
-              <a:t>Face Hugging Transformers</a:t>
-            </a:r>
-            <a:endParaRPr sz="1600" b="0" i="0">
-              <a:solidFill>
-                <a:srgbClr val="333333"/>
-              </a:solidFill>
-              <a:latin typeface="Tomorrow"/>
-              <a:ea typeface="Tomorrow"/>
-            </a:endParaRPr>
+              <a:rPr lang="en-US" altLang="en-US"/>
+              <a:t>https://www.kaggle.com/code/ashishpatel26/beginner-to-intermediate-nlp-tutorial</a:t>
+            </a:r>
+            <a:endParaRPr lang="en-US" altLang="en-US"/>
+          </a:p>
+          <a:p>
+            <a:endParaRPr lang="en-US"/>
+          </a:p>
+          <a:p>
+            <a:r>
+              <a:rPr lang="en-US" altLang="en-US"/>
+              <a:t>https://www.deeplearning.ai/resources/natural-language-processing/</a:t>
+            </a:r>
+            <a:endParaRPr lang="en-US" altLang="en-US"/>
+          </a:p>
+          <a:p>
+            <a:r>
+              <a:rPr lang="en-US" altLang="en-US"/>
+              <a:t>https://www.analyticsvidhya.com/blog/2022/01/nlp-tutorials-part-i-from-basics-to-advance/</a:t>
+            </a:r>
+            <a:endParaRPr lang="en-US" altLang="en-US"/>
+          </a:p>
+          <a:p>
+            <a:endParaRPr lang="en-US" altLang="en-US"/>
+          </a:p>
+          <a:p>
+            <a:r>
+              <a:rPr lang="en-US" altLang="en-US"/>
+              <a:t>https://huggingface.co/learn/nlp-course/en/chapter1/1</a:t>
+            </a:r>
+            <a:endParaRPr lang="en-US" altLang="en-US"/>
+          </a:p>
+          <a:p>
+            <a:endParaRPr lang="en-US" altLang="en-US"/>
+          </a:p>
+          <a:p>
+            <a:r>
+              <a:rPr lang="en-US" altLang="en-US"/>
+              <a:t>https://github.com/graykode/nlp-tutorial</a:t>
+            </a:r>
+            <a:endParaRPr lang="en-US" altLang="en-US"/>
           </a:p>
         </p:txBody>
       </p:sp>
@@ -5142,6 +3965,1434 @@
         <p:nvPr/>
       </p:nvGrpSpPr>
       <p:grpSpPr/>
+      <p:pic>
+        <p:nvPicPr>
+          <p:cNvPr id="2" name="Picture 1"/>
+          <p:cNvPicPr/>
+          <p:nvPr/>
+        </p:nvPicPr>
+        <p:blipFill>
+          <a:blip r:embed="rId1"/>
+          <a:stretch>
+            <a:fillRect/>
+          </a:stretch>
+        </p:blipFill>
+        <p:spPr>
+          <a:xfrm>
+            <a:off x="288925" y="421005"/>
+            <a:ext cx="11712575" cy="5634355"/>
+          </a:xfrm>
+          <a:prstGeom prst="rect">
+            <a:avLst/>
+          </a:prstGeom>
+        </p:spPr>
+      </p:pic>
+    </p:spTree>
+  </p:cSld>
+  <p:clrMapOvr>
+    <a:masterClrMapping/>
+  </p:clrMapOvr>
+</p:sld>
+</file>
+
+<file path=ppt/slides/slide4.xml><?xml version="1.0" encoding="utf-8"?>
+<p:sld xmlns:a="http://schemas.openxmlformats.org/drawingml/2006/main" xmlns:r="http://schemas.openxmlformats.org/officeDocument/2006/relationships" xmlns:p="http://schemas.openxmlformats.org/presentationml/2006/main">
+  <p:cSld>
+    <p:spTree>
+      <p:nvGrpSpPr>
+        <p:cNvPr id="1" name=""/>
+        <p:cNvGrpSpPr/>
+        <p:nvPr/>
+      </p:nvGrpSpPr>
+      <p:grpSpPr/>
+      <p:sp>
+        <p:nvSpPr>
+          <p:cNvPr id="2" name="Text Box 1"/>
+          <p:cNvSpPr txBox="1"/>
+          <p:nvPr/>
+        </p:nvSpPr>
+        <p:spPr>
+          <a:xfrm>
+            <a:off x="915035" y="156210"/>
+            <a:ext cx="4064000" cy="368300"/>
+          </a:xfrm>
+          <a:prstGeom prst="rect">
+            <a:avLst/>
+          </a:prstGeom>
+          <a:noFill/>
+        </p:spPr>
+        <p:txBody>
+          <a:bodyPr wrap="square" rtlCol="0">
+            <a:spAutoFit/>
+          </a:bodyPr>
+          <a:p>
+            <a:r>
+              <a:rPr lang="en-IN" altLang="en-US"/>
+              <a:t>OLD SYLLABUS</a:t>
+            </a:r>
+            <a:endParaRPr lang="en-IN" altLang="en-US"/>
+          </a:p>
+        </p:txBody>
+      </p:sp>
+      <p:sp>
+        <p:nvSpPr>
+          <p:cNvPr id="3" name="Text Box 2"/>
+          <p:cNvSpPr txBox="1"/>
+          <p:nvPr/>
+        </p:nvSpPr>
+        <p:spPr>
+          <a:xfrm>
+            <a:off x="615315" y="613092"/>
+            <a:ext cx="5080000" cy="2017395"/>
+          </a:xfrm>
+          <a:prstGeom prst="rect">
+            <a:avLst/>
+          </a:prstGeom>
+        </p:spPr>
+        <p:txBody>
+          <a:bodyPr>
+            <a:spAutoFit/>
+          </a:bodyPr>
+          <a:p>
+            <a:pPr marL="0" indent="0">
+              <a:spcBef>
+                <a:spcPts val="1000"/>
+              </a:spcBef>
+              <a:spcAft>
+                <a:spcPts val="500"/>
+              </a:spcAft>
+            </a:pPr>
+            <a:r>
+              <a:rPr sz="2500" b="0" i="0">
+                <a:solidFill>
+                  <a:srgbClr val="333333"/>
+                </a:solidFill>
+                <a:latin typeface="Tomorrow"/>
+                <a:ea typeface="Tomorrow"/>
+              </a:rPr>
+              <a:t>ntroduction to NLP  </a:t>
+            </a:r>
+            <a:endParaRPr sz="2500" b="0" i="0">
+              <a:solidFill>
+                <a:srgbClr val="333333"/>
+              </a:solidFill>
+              <a:latin typeface="Tomorrow"/>
+              <a:ea typeface="Tomorrow"/>
+            </a:endParaRPr>
+          </a:p>
+          <a:p>
+            <a:pPr marL="0" indent="0">
+              <a:spcBef>
+                <a:spcPct val="0"/>
+              </a:spcBef>
+              <a:spcAft>
+                <a:spcPct val="0"/>
+              </a:spcAft>
+            </a:pPr>
+            <a:r>
+              <a:rPr sz="1600" b="0" i="0">
+                <a:solidFill>
+                  <a:srgbClr val="333333"/>
+                </a:solidFill>
+                <a:latin typeface="Tomorrow"/>
+                <a:ea typeface="Tomorrow"/>
+              </a:rPr>
+              <a:t>What is Natural Language Processing</a:t>
+            </a:r>
+            <a:endParaRPr sz="1600" b="0" i="0">
+              <a:solidFill>
+                <a:srgbClr val="333333"/>
+              </a:solidFill>
+              <a:latin typeface="Tomorrow"/>
+              <a:ea typeface="Tomorrow"/>
+            </a:endParaRPr>
+          </a:p>
+          <a:p>
+            <a:pPr marL="0" indent="0">
+              <a:spcBef>
+                <a:spcPct val="0"/>
+              </a:spcBef>
+              <a:spcAft>
+                <a:spcPct val="0"/>
+              </a:spcAft>
+            </a:pPr>
+            <a:r>
+              <a:rPr sz="1600" b="0" i="0">
+                <a:solidFill>
+                  <a:srgbClr val="333333"/>
+                </a:solidFill>
+                <a:latin typeface="Tomorrow"/>
+                <a:ea typeface="Tomorrow"/>
+              </a:rPr>
+              <a:t>Uses of NLP</a:t>
+            </a:r>
+            <a:endParaRPr sz="1600" b="0" i="0">
+              <a:solidFill>
+                <a:srgbClr val="333333"/>
+              </a:solidFill>
+              <a:latin typeface="Tomorrow"/>
+              <a:ea typeface="Tomorrow"/>
+            </a:endParaRPr>
+          </a:p>
+          <a:p>
+            <a:pPr marL="0" indent="0">
+              <a:spcBef>
+                <a:spcPct val="0"/>
+              </a:spcBef>
+              <a:spcAft>
+                <a:spcPct val="0"/>
+              </a:spcAft>
+            </a:pPr>
+            <a:r>
+              <a:rPr sz="1600" b="0" i="0">
+                <a:solidFill>
+                  <a:srgbClr val="333333"/>
+                </a:solidFill>
+                <a:latin typeface="Tomorrow"/>
+                <a:ea typeface="Tomorrow"/>
+              </a:rPr>
+              <a:t>Application of NLP</a:t>
+            </a:r>
+            <a:endParaRPr sz="1600" b="0" i="0">
+              <a:solidFill>
+                <a:srgbClr val="333333"/>
+              </a:solidFill>
+              <a:latin typeface="Tomorrow"/>
+              <a:ea typeface="Tomorrow"/>
+            </a:endParaRPr>
+          </a:p>
+          <a:p>
+            <a:pPr marL="0" indent="0">
+              <a:spcBef>
+                <a:spcPct val="0"/>
+              </a:spcBef>
+              <a:spcAft>
+                <a:spcPct val="0"/>
+              </a:spcAft>
+            </a:pPr>
+            <a:r>
+              <a:rPr sz="1600" b="0" i="0">
+                <a:solidFill>
+                  <a:srgbClr val="333333"/>
+                </a:solidFill>
+                <a:latin typeface="Tomorrow"/>
+                <a:ea typeface="Tomorrow"/>
+              </a:rPr>
+              <a:t>Components of NLP</a:t>
+            </a:r>
+            <a:endParaRPr sz="1600" b="0" i="0">
+              <a:solidFill>
+                <a:srgbClr val="333333"/>
+              </a:solidFill>
+              <a:latin typeface="Tomorrow"/>
+              <a:ea typeface="Tomorrow"/>
+            </a:endParaRPr>
+          </a:p>
+          <a:p>
+            <a:pPr marL="0" indent="0">
+              <a:spcBef>
+                <a:spcPct val="0"/>
+              </a:spcBef>
+              <a:spcAft>
+                <a:spcPct val="0"/>
+              </a:spcAft>
+            </a:pPr>
+            <a:r>
+              <a:rPr sz="1600" b="0" i="0">
+                <a:solidFill>
+                  <a:srgbClr val="333333"/>
+                </a:solidFill>
+                <a:latin typeface="Tomorrow"/>
+                <a:ea typeface="Tomorrow"/>
+              </a:rPr>
+              <a:t>Stages of NLP</a:t>
+            </a:r>
+            <a:endParaRPr sz="1600" b="0" i="0">
+              <a:solidFill>
+                <a:srgbClr val="333333"/>
+              </a:solidFill>
+              <a:latin typeface="Tomorrow"/>
+              <a:ea typeface="Tomorrow"/>
+            </a:endParaRPr>
+          </a:p>
+          <a:p>
+            <a:pPr marL="0" indent="0">
+              <a:spcBef>
+                <a:spcPct val="0"/>
+              </a:spcBef>
+              <a:spcAft>
+                <a:spcPct val="0"/>
+              </a:spcAft>
+            </a:pPr>
+            <a:r>
+              <a:rPr sz="1600" b="0" i="0">
+                <a:solidFill>
+                  <a:srgbClr val="333333"/>
+                </a:solidFill>
+                <a:latin typeface="Tomorrow"/>
+                <a:ea typeface="Tomorrow"/>
+              </a:rPr>
+              <a:t>Assignment</a:t>
+            </a:r>
+            <a:endParaRPr sz="1600" b="0" i="0">
+              <a:solidFill>
+                <a:srgbClr val="333333"/>
+              </a:solidFill>
+              <a:latin typeface="Tomorrow"/>
+              <a:ea typeface="Tomorrow"/>
+            </a:endParaRPr>
+          </a:p>
+        </p:txBody>
+      </p:sp>
+      <p:sp>
+        <p:nvSpPr>
+          <p:cNvPr id="4" name="Text Box 3"/>
+          <p:cNvSpPr txBox="1"/>
+          <p:nvPr/>
+        </p:nvSpPr>
+        <p:spPr>
+          <a:xfrm>
+            <a:off x="514350" y="2493645"/>
+            <a:ext cx="5080000" cy="2755900"/>
+          </a:xfrm>
+          <a:prstGeom prst="rect">
+            <a:avLst/>
+          </a:prstGeom>
+        </p:spPr>
+        <p:txBody>
+          <a:bodyPr>
+            <a:spAutoFit/>
+          </a:bodyPr>
+          <a:p>
+            <a:pPr marL="0" indent="0">
+              <a:spcBef>
+                <a:spcPts val="1000"/>
+              </a:spcBef>
+              <a:spcAft>
+                <a:spcPts val="500"/>
+              </a:spcAft>
+            </a:pPr>
+            <a:r>
+              <a:rPr sz="2500" b="0" i="0">
+                <a:solidFill>
+                  <a:srgbClr val="333333"/>
+                </a:solidFill>
+                <a:latin typeface="Tomorrow"/>
+                <a:ea typeface="Tomorrow"/>
+              </a:rPr>
+              <a:t>Text Preprocessing  </a:t>
+            </a:r>
+            <a:endParaRPr sz="2500" b="0" i="0">
+              <a:solidFill>
+                <a:srgbClr val="333333"/>
+              </a:solidFill>
+              <a:latin typeface="Tomorrow"/>
+              <a:ea typeface="Tomorrow"/>
+            </a:endParaRPr>
+          </a:p>
+          <a:p>
+            <a:pPr marL="0" indent="0">
+              <a:spcBef>
+                <a:spcPct val="0"/>
+              </a:spcBef>
+              <a:spcAft>
+                <a:spcPct val="0"/>
+              </a:spcAft>
+            </a:pPr>
+            <a:r>
+              <a:rPr sz="1600" b="0" i="0">
+                <a:solidFill>
+                  <a:srgbClr val="333333"/>
+                </a:solidFill>
+                <a:latin typeface="Tomorrow"/>
+                <a:ea typeface="Tomorrow"/>
+              </a:rPr>
+              <a:t>Tokenization</a:t>
+            </a:r>
+            <a:endParaRPr sz="1600" b="0" i="0">
+              <a:solidFill>
+                <a:srgbClr val="333333"/>
+              </a:solidFill>
+              <a:latin typeface="Tomorrow"/>
+              <a:ea typeface="Tomorrow"/>
+            </a:endParaRPr>
+          </a:p>
+          <a:p>
+            <a:pPr marL="0" indent="0">
+              <a:spcBef>
+                <a:spcPct val="0"/>
+              </a:spcBef>
+              <a:spcAft>
+                <a:spcPct val="0"/>
+              </a:spcAft>
+            </a:pPr>
+            <a:r>
+              <a:rPr sz="1600" b="0" i="0">
+                <a:solidFill>
+                  <a:srgbClr val="333333"/>
+                </a:solidFill>
+                <a:latin typeface="Tomorrow"/>
+                <a:ea typeface="Tomorrow"/>
+              </a:rPr>
+              <a:t>Non Alphabets Removal</a:t>
+            </a:r>
+            <a:endParaRPr sz="1600" b="0" i="0">
+              <a:solidFill>
+                <a:srgbClr val="333333"/>
+              </a:solidFill>
+              <a:latin typeface="Tomorrow"/>
+              <a:ea typeface="Tomorrow"/>
+            </a:endParaRPr>
+          </a:p>
+          <a:p>
+            <a:pPr marL="0" indent="0">
+              <a:spcBef>
+                <a:spcPct val="0"/>
+              </a:spcBef>
+              <a:spcAft>
+                <a:spcPct val="0"/>
+              </a:spcAft>
+            </a:pPr>
+            <a:r>
+              <a:rPr sz="1600" b="0" i="0">
+                <a:solidFill>
+                  <a:srgbClr val="333333"/>
+                </a:solidFill>
+                <a:latin typeface="Tomorrow"/>
+                <a:ea typeface="Tomorrow"/>
+              </a:rPr>
+              <a:t>Stopwords Removal</a:t>
+            </a:r>
+            <a:endParaRPr sz="1600" b="0" i="0">
+              <a:solidFill>
+                <a:srgbClr val="333333"/>
+              </a:solidFill>
+              <a:latin typeface="Tomorrow"/>
+              <a:ea typeface="Tomorrow"/>
+            </a:endParaRPr>
+          </a:p>
+          <a:p>
+            <a:pPr marL="0" indent="0">
+              <a:spcBef>
+                <a:spcPct val="0"/>
+              </a:spcBef>
+              <a:spcAft>
+                <a:spcPct val="0"/>
+              </a:spcAft>
+            </a:pPr>
+            <a:r>
+              <a:rPr sz="1600" b="0" i="0">
+                <a:solidFill>
+                  <a:srgbClr val="333333"/>
+                </a:solidFill>
+                <a:latin typeface="Tomorrow"/>
+                <a:ea typeface="Tomorrow"/>
+              </a:rPr>
+              <a:t>Bag of Words</a:t>
+            </a:r>
+            <a:endParaRPr sz="1600" b="0" i="0">
+              <a:solidFill>
+                <a:srgbClr val="333333"/>
+              </a:solidFill>
+              <a:latin typeface="Tomorrow"/>
+              <a:ea typeface="Tomorrow"/>
+            </a:endParaRPr>
+          </a:p>
+          <a:p>
+            <a:pPr marL="0" indent="0">
+              <a:spcBef>
+                <a:spcPct val="0"/>
+              </a:spcBef>
+              <a:spcAft>
+                <a:spcPct val="0"/>
+              </a:spcAft>
+            </a:pPr>
+            <a:r>
+              <a:rPr sz="1600" b="0" i="0">
+                <a:solidFill>
+                  <a:srgbClr val="333333"/>
+                </a:solidFill>
+                <a:latin typeface="Tomorrow"/>
+                <a:ea typeface="Tomorrow"/>
+              </a:rPr>
+              <a:t>Stemming &amp; Lemmatization</a:t>
+            </a:r>
+            <a:endParaRPr sz="1600" b="0" i="0">
+              <a:solidFill>
+                <a:srgbClr val="333333"/>
+              </a:solidFill>
+              <a:latin typeface="Tomorrow"/>
+              <a:ea typeface="Tomorrow"/>
+            </a:endParaRPr>
+          </a:p>
+          <a:p>
+            <a:pPr marL="0" indent="0">
+              <a:spcBef>
+                <a:spcPct val="0"/>
+              </a:spcBef>
+              <a:spcAft>
+                <a:spcPct val="0"/>
+              </a:spcAft>
+            </a:pPr>
+            <a:r>
+              <a:rPr sz="1600" b="0" i="0">
+                <a:solidFill>
+                  <a:srgbClr val="333333"/>
+                </a:solidFill>
+                <a:latin typeface="Tomorrow"/>
+                <a:ea typeface="Tomorrow"/>
+              </a:rPr>
+              <a:t>Part of Speech Taging</a:t>
+            </a:r>
+            <a:endParaRPr sz="1600" b="0" i="0">
+              <a:solidFill>
+                <a:srgbClr val="333333"/>
+              </a:solidFill>
+              <a:latin typeface="Tomorrow"/>
+              <a:ea typeface="Tomorrow"/>
+            </a:endParaRPr>
+          </a:p>
+          <a:p>
+            <a:pPr marL="0" indent="0">
+              <a:spcBef>
+                <a:spcPct val="0"/>
+              </a:spcBef>
+              <a:spcAft>
+                <a:spcPct val="0"/>
+              </a:spcAft>
+            </a:pPr>
+            <a:r>
+              <a:rPr sz="1600" b="0" i="0">
+                <a:solidFill>
+                  <a:srgbClr val="333333"/>
+                </a:solidFill>
+                <a:latin typeface="Tomorrow"/>
+                <a:ea typeface="Tomorrow"/>
+              </a:rPr>
+              <a:t>Name Entity Recognition</a:t>
+            </a:r>
+            <a:endParaRPr sz="1600" b="0" i="0">
+              <a:solidFill>
+                <a:srgbClr val="333333"/>
+              </a:solidFill>
+              <a:latin typeface="Tomorrow"/>
+              <a:ea typeface="Tomorrow"/>
+            </a:endParaRPr>
+          </a:p>
+          <a:p>
+            <a:pPr marL="0" indent="0">
+              <a:spcBef>
+                <a:spcPct val="0"/>
+              </a:spcBef>
+              <a:spcAft>
+                <a:spcPct val="0"/>
+              </a:spcAft>
+            </a:pPr>
+            <a:r>
+              <a:rPr sz="1600" b="0" i="0">
+                <a:solidFill>
+                  <a:srgbClr val="333333"/>
+                </a:solidFill>
+                <a:latin typeface="Tomorrow"/>
+                <a:ea typeface="Tomorrow"/>
+              </a:rPr>
+              <a:t>Text Visualization</a:t>
+            </a:r>
+            <a:endParaRPr sz="1600" b="0" i="0">
+              <a:solidFill>
+                <a:srgbClr val="333333"/>
+              </a:solidFill>
+              <a:latin typeface="Tomorrow"/>
+              <a:ea typeface="Tomorrow"/>
+            </a:endParaRPr>
+          </a:p>
+          <a:p>
+            <a:pPr marL="0" indent="0">
+              <a:spcBef>
+                <a:spcPct val="0"/>
+              </a:spcBef>
+              <a:spcAft>
+                <a:spcPct val="0"/>
+              </a:spcAft>
+            </a:pPr>
+            <a:r>
+              <a:rPr sz="1600" b="0" i="0">
+                <a:solidFill>
+                  <a:srgbClr val="333333"/>
+                </a:solidFill>
+                <a:latin typeface="Tomorrow"/>
+                <a:ea typeface="Tomorrow"/>
+              </a:rPr>
+              <a:t>Assignment</a:t>
+            </a:r>
+            <a:endParaRPr sz="1600" b="0" i="0">
+              <a:solidFill>
+                <a:srgbClr val="333333"/>
+              </a:solidFill>
+              <a:latin typeface="Tomorrow"/>
+              <a:ea typeface="Tomorrow"/>
+            </a:endParaRPr>
+          </a:p>
+        </p:txBody>
+      </p:sp>
+      <p:sp>
+        <p:nvSpPr>
+          <p:cNvPr id="5" name="Text Box 4"/>
+          <p:cNvSpPr txBox="1"/>
+          <p:nvPr/>
+        </p:nvSpPr>
+        <p:spPr>
+          <a:xfrm>
+            <a:off x="514350" y="4979352"/>
+            <a:ext cx="5080000" cy="1771015"/>
+          </a:xfrm>
+          <a:prstGeom prst="rect">
+            <a:avLst/>
+          </a:prstGeom>
+        </p:spPr>
+        <p:txBody>
+          <a:bodyPr>
+            <a:spAutoFit/>
+          </a:bodyPr>
+          <a:p>
+            <a:pPr marL="0" indent="0">
+              <a:spcBef>
+                <a:spcPts val="1000"/>
+              </a:spcBef>
+              <a:spcAft>
+                <a:spcPts val="500"/>
+              </a:spcAft>
+            </a:pPr>
+            <a:r>
+              <a:rPr sz="2500" b="0" i="0">
+                <a:solidFill>
+                  <a:srgbClr val="333333"/>
+                </a:solidFill>
+                <a:latin typeface="Tomorrow"/>
+                <a:ea typeface="Tomorrow"/>
+              </a:rPr>
+              <a:t>Text Classification  </a:t>
+            </a:r>
+            <a:endParaRPr sz="2500" b="0" i="0">
+              <a:solidFill>
+                <a:srgbClr val="333333"/>
+              </a:solidFill>
+              <a:latin typeface="Tomorrow"/>
+              <a:ea typeface="Tomorrow"/>
+            </a:endParaRPr>
+          </a:p>
+          <a:p>
+            <a:pPr marL="0" indent="0">
+              <a:spcBef>
+                <a:spcPct val="0"/>
+              </a:spcBef>
+              <a:spcAft>
+                <a:spcPct val="0"/>
+              </a:spcAft>
+            </a:pPr>
+            <a:r>
+              <a:rPr sz="1600" b="0" i="0">
+                <a:solidFill>
+                  <a:srgbClr val="333333"/>
+                </a:solidFill>
+                <a:latin typeface="Tomorrow"/>
+                <a:ea typeface="Tomorrow"/>
+              </a:rPr>
+              <a:t>CountVectorization</a:t>
+            </a:r>
+            <a:endParaRPr sz="1600" b="0" i="0">
+              <a:solidFill>
+                <a:srgbClr val="333333"/>
+              </a:solidFill>
+              <a:latin typeface="Tomorrow"/>
+              <a:ea typeface="Tomorrow"/>
+            </a:endParaRPr>
+          </a:p>
+          <a:p>
+            <a:pPr marL="0" indent="0">
+              <a:spcBef>
+                <a:spcPct val="0"/>
+              </a:spcBef>
+              <a:spcAft>
+                <a:spcPct val="0"/>
+              </a:spcAft>
+            </a:pPr>
+            <a:r>
+              <a:rPr sz="1600" b="0" i="0">
+                <a:solidFill>
+                  <a:srgbClr val="333333"/>
+                </a:solidFill>
+                <a:latin typeface="Tomorrow"/>
+                <a:ea typeface="Tomorrow"/>
+              </a:rPr>
+              <a:t>Text Classification with ML</a:t>
+            </a:r>
+            <a:endParaRPr sz="1600" b="0" i="0">
+              <a:solidFill>
+                <a:srgbClr val="333333"/>
+              </a:solidFill>
+              <a:latin typeface="Tomorrow"/>
+              <a:ea typeface="Tomorrow"/>
+            </a:endParaRPr>
+          </a:p>
+          <a:p>
+            <a:pPr marL="0" indent="0">
+              <a:spcBef>
+                <a:spcPct val="0"/>
+              </a:spcBef>
+              <a:spcAft>
+                <a:spcPct val="0"/>
+              </a:spcAft>
+            </a:pPr>
+            <a:r>
+              <a:rPr sz="1600" b="0" i="0">
+                <a:solidFill>
+                  <a:srgbClr val="333333"/>
+                </a:solidFill>
+                <a:latin typeface="Tomorrow"/>
+                <a:ea typeface="Tomorrow"/>
+              </a:rPr>
+              <a:t>TFIDF Vectorization</a:t>
+            </a:r>
+            <a:endParaRPr sz="1600" b="0" i="0">
+              <a:solidFill>
+                <a:srgbClr val="333333"/>
+              </a:solidFill>
+              <a:latin typeface="Tomorrow"/>
+              <a:ea typeface="Tomorrow"/>
+            </a:endParaRPr>
+          </a:p>
+          <a:p>
+            <a:pPr marL="0" indent="0">
+              <a:spcBef>
+                <a:spcPct val="0"/>
+              </a:spcBef>
+              <a:spcAft>
+                <a:spcPct val="0"/>
+              </a:spcAft>
+            </a:pPr>
+            <a:r>
+              <a:rPr sz="1600" b="0" i="0">
+                <a:solidFill>
+                  <a:srgbClr val="333333"/>
+                </a:solidFill>
+                <a:latin typeface="Tomorrow"/>
+                <a:ea typeface="Tomorrow"/>
+              </a:rPr>
+              <a:t>Text Classification with ANN</a:t>
+            </a:r>
+            <a:endParaRPr sz="1600" b="0" i="0">
+              <a:solidFill>
+                <a:srgbClr val="333333"/>
+              </a:solidFill>
+              <a:latin typeface="Tomorrow"/>
+              <a:ea typeface="Tomorrow"/>
+            </a:endParaRPr>
+          </a:p>
+          <a:p>
+            <a:pPr marL="0" indent="0">
+              <a:spcBef>
+                <a:spcPct val="0"/>
+              </a:spcBef>
+              <a:spcAft>
+                <a:spcPct val="0"/>
+              </a:spcAft>
+            </a:pPr>
+            <a:r>
+              <a:rPr sz="1600" b="0" i="0">
+                <a:solidFill>
+                  <a:srgbClr val="333333"/>
+                </a:solidFill>
+                <a:latin typeface="Tomorrow"/>
+                <a:ea typeface="Tomorrow"/>
+              </a:rPr>
+              <a:t>Assignment</a:t>
+            </a:r>
+            <a:endParaRPr sz="1600" b="0" i="0">
+              <a:solidFill>
+                <a:srgbClr val="333333"/>
+              </a:solidFill>
+              <a:latin typeface="Tomorrow"/>
+              <a:ea typeface="Tomorrow"/>
+            </a:endParaRPr>
+          </a:p>
+        </p:txBody>
+      </p:sp>
+      <p:sp>
+        <p:nvSpPr>
+          <p:cNvPr id="6" name="Text Box 5"/>
+          <p:cNvSpPr txBox="1"/>
+          <p:nvPr/>
+        </p:nvSpPr>
+        <p:spPr>
+          <a:xfrm>
+            <a:off x="4979035" y="623887"/>
+            <a:ext cx="5080000" cy="1771015"/>
+          </a:xfrm>
+          <a:prstGeom prst="rect">
+            <a:avLst/>
+          </a:prstGeom>
+        </p:spPr>
+        <p:txBody>
+          <a:bodyPr>
+            <a:spAutoFit/>
+          </a:bodyPr>
+          <a:p>
+            <a:pPr marL="0" indent="0">
+              <a:spcBef>
+                <a:spcPts val="1000"/>
+              </a:spcBef>
+              <a:spcAft>
+                <a:spcPts val="500"/>
+              </a:spcAft>
+            </a:pPr>
+            <a:r>
+              <a:rPr sz="2500" b="0" i="0">
+                <a:solidFill>
+                  <a:srgbClr val="333333"/>
+                </a:solidFill>
+                <a:latin typeface="Tomorrow"/>
+                <a:ea typeface="Tomorrow"/>
+              </a:rPr>
+              <a:t>Sentiment Analysis  </a:t>
+            </a:r>
+            <a:endParaRPr sz="2500" b="0" i="0">
+              <a:solidFill>
+                <a:srgbClr val="333333"/>
+              </a:solidFill>
+              <a:latin typeface="Tomorrow"/>
+              <a:ea typeface="Tomorrow"/>
+            </a:endParaRPr>
+          </a:p>
+          <a:p>
+            <a:pPr marL="0" indent="0">
+              <a:spcBef>
+                <a:spcPct val="0"/>
+              </a:spcBef>
+              <a:spcAft>
+                <a:spcPct val="0"/>
+              </a:spcAft>
+            </a:pPr>
+            <a:r>
+              <a:rPr sz="1600" b="0" i="0">
+                <a:solidFill>
+                  <a:srgbClr val="333333"/>
+                </a:solidFill>
+                <a:latin typeface="Tomorrow"/>
+                <a:ea typeface="Tomorrow"/>
+              </a:rPr>
+              <a:t>What is Sentiment Analysis</a:t>
+            </a:r>
+            <a:endParaRPr sz="1600" b="0" i="0">
+              <a:solidFill>
+                <a:srgbClr val="333333"/>
+              </a:solidFill>
+              <a:latin typeface="Tomorrow"/>
+              <a:ea typeface="Tomorrow"/>
+            </a:endParaRPr>
+          </a:p>
+          <a:p>
+            <a:pPr marL="0" indent="0">
+              <a:spcBef>
+                <a:spcPct val="0"/>
+              </a:spcBef>
+              <a:spcAft>
+                <a:spcPct val="0"/>
+              </a:spcAft>
+            </a:pPr>
+            <a:r>
+              <a:rPr sz="1600" b="0" i="0">
+                <a:solidFill>
+                  <a:srgbClr val="333333"/>
+                </a:solidFill>
+                <a:latin typeface="Tomorrow"/>
+                <a:ea typeface="Tomorrow"/>
+              </a:rPr>
+              <a:t>Challenges in Sentiment Analysis</a:t>
+            </a:r>
+            <a:endParaRPr sz="1600" b="0" i="0">
+              <a:solidFill>
+                <a:srgbClr val="333333"/>
+              </a:solidFill>
+              <a:latin typeface="Tomorrow"/>
+              <a:ea typeface="Tomorrow"/>
+            </a:endParaRPr>
+          </a:p>
+          <a:p>
+            <a:pPr marL="0" indent="0">
+              <a:spcBef>
+                <a:spcPct val="0"/>
+              </a:spcBef>
+              <a:spcAft>
+                <a:spcPct val="0"/>
+              </a:spcAft>
+            </a:pPr>
+            <a:r>
+              <a:rPr sz="1600" b="0" i="0">
+                <a:solidFill>
+                  <a:srgbClr val="333333"/>
+                </a:solidFill>
+                <a:latin typeface="Tomorrow"/>
+                <a:ea typeface="Tomorrow"/>
+              </a:rPr>
+              <a:t>Handling Emoticons</a:t>
+            </a:r>
+            <a:endParaRPr sz="1600" b="0" i="0">
+              <a:solidFill>
+                <a:srgbClr val="333333"/>
+              </a:solidFill>
+              <a:latin typeface="Tomorrow"/>
+              <a:ea typeface="Tomorrow"/>
+            </a:endParaRPr>
+          </a:p>
+          <a:p>
+            <a:pPr marL="0" indent="0">
+              <a:spcBef>
+                <a:spcPct val="0"/>
+              </a:spcBef>
+              <a:spcAft>
+                <a:spcPct val="0"/>
+              </a:spcAft>
+            </a:pPr>
+            <a:r>
+              <a:rPr sz="1600" b="0" i="0">
+                <a:solidFill>
+                  <a:srgbClr val="333333"/>
+                </a:solidFill>
+                <a:latin typeface="Tomorrow"/>
+                <a:ea typeface="Tomorrow"/>
+              </a:rPr>
+              <a:t>Sentiment Analysis with ANN</a:t>
+            </a:r>
+            <a:endParaRPr sz="1600" b="0" i="0">
+              <a:solidFill>
+                <a:srgbClr val="333333"/>
+              </a:solidFill>
+              <a:latin typeface="Tomorrow"/>
+              <a:ea typeface="Tomorrow"/>
+            </a:endParaRPr>
+          </a:p>
+          <a:p>
+            <a:pPr marL="0" indent="0">
+              <a:spcBef>
+                <a:spcPct val="0"/>
+              </a:spcBef>
+              <a:spcAft>
+                <a:spcPct val="0"/>
+              </a:spcAft>
+            </a:pPr>
+            <a:r>
+              <a:rPr sz="1600" b="0" i="0">
+                <a:solidFill>
+                  <a:srgbClr val="333333"/>
+                </a:solidFill>
+                <a:latin typeface="Tomorrow"/>
+                <a:ea typeface="Tomorrow"/>
+              </a:rPr>
+              <a:t>Assignment</a:t>
+            </a:r>
+            <a:endParaRPr sz="1600" b="0" i="0">
+              <a:solidFill>
+                <a:srgbClr val="333333"/>
+              </a:solidFill>
+              <a:latin typeface="Tomorrow"/>
+              <a:ea typeface="Tomorrow"/>
+            </a:endParaRPr>
+          </a:p>
+        </p:txBody>
+      </p:sp>
+      <p:sp>
+        <p:nvSpPr>
+          <p:cNvPr id="7" name="Text Box 6"/>
+          <p:cNvSpPr txBox="1"/>
+          <p:nvPr/>
+        </p:nvSpPr>
+        <p:spPr>
+          <a:xfrm>
+            <a:off x="4979035" y="2247265"/>
+            <a:ext cx="5080000" cy="3002280"/>
+          </a:xfrm>
+          <a:prstGeom prst="rect">
+            <a:avLst/>
+          </a:prstGeom>
+        </p:spPr>
+        <p:txBody>
+          <a:bodyPr>
+            <a:spAutoFit/>
+          </a:bodyPr>
+          <a:p>
+            <a:pPr marL="0" indent="0">
+              <a:spcBef>
+                <a:spcPts val="1000"/>
+              </a:spcBef>
+              <a:spcAft>
+                <a:spcPts val="500"/>
+              </a:spcAft>
+            </a:pPr>
+            <a:r>
+              <a:rPr sz="2500" b="0" i="0">
+                <a:solidFill>
+                  <a:srgbClr val="333333"/>
+                </a:solidFill>
+                <a:latin typeface="Tomorrow"/>
+                <a:ea typeface="Tomorrow"/>
+              </a:rPr>
+              <a:t>Sequence Model  </a:t>
+            </a:r>
+            <a:endParaRPr sz="2500" b="0" i="0">
+              <a:solidFill>
+                <a:srgbClr val="333333"/>
+              </a:solidFill>
+              <a:latin typeface="Tomorrow"/>
+              <a:ea typeface="Tomorrow"/>
+            </a:endParaRPr>
+          </a:p>
+          <a:p>
+            <a:pPr marL="0" indent="0">
+              <a:spcBef>
+                <a:spcPct val="0"/>
+              </a:spcBef>
+              <a:spcAft>
+                <a:spcPct val="0"/>
+              </a:spcAft>
+            </a:pPr>
+            <a:r>
+              <a:rPr sz="1600" b="0" i="0">
+                <a:solidFill>
+                  <a:srgbClr val="333333"/>
+                </a:solidFill>
+                <a:latin typeface="Tomorrow"/>
+                <a:ea typeface="Tomorrow"/>
+              </a:rPr>
+              <a:t>Sequential Data</a:t>
+            </a:r>
+            <a:endParaRPr sz="1600" b="0" i="0">
+              <a:solidFill>
+                <a:srgbClr val="333333"/>
+              </a:solidFill>
+              <a:latin typeface="Tomorrow"/>
+              <a:ea typeface="Tomorrow"/>
+            </a:endParaRPr>
+          </a:p>
+          <a:p>
+            <a:pPr marL="0" indent="0">
+              <a:spcBef>
+                <a:spcPct val="0"/>
+              </a:spcBef>
+              <a:spcAft>
+                <a:spcPct val="0"/>
+              </a:spcAft>
+            </a:pPr>
+            <a:r>
+              <a:rPr sz="1600" b="0" i="0">
+                <a:solidFill>
+                  <a:srgbClr val="333333"/>
+                </a:solidFill>
+                <a:latin typeface="Tomorrow"/>
+                <a:ea typeface="Tomorrow"/>
+              </a:rPr>
+              <a:t>Recurrent Neural Network</a:t>
+            </a:r>
+            <a:endParaRPr sz="1600" b="0" i="0">
+              <a:solidFill>
+                <a:srgbClr val="333333"/>
+              </a:solidFill>
+              <a:latin typeface="Tomorrow"/>
+              <a:ea typeface="Tomorrow"/>
+            </a:endParaRPr>
+          </a:p>
+          <a:p>
+            <a:pPr marL="0" indent="0">
+              <a:spcBef>
+                <a:spcPct val="0"/>
+              </a:spcBef>
+              <a:spcAft>
+                <a:spcPct val="0"/>
+              </a:spcAft>
+            </a:pPr>
+            <a:r>
+              <a:rPr sz="1600" b="0" i="0">
+                <a:solidFill>
+                  <a:srgbClr val="333333"/>
+                </a:solidFill>
+                <a:latin typeface="Tomorrow"/>
+                <a:ea typeface="Tomorrow"/>
+              </a:rPr>
+              <a:t>Multi-layer &amp; Bi-directional RNN</a:t>
+            </a:r>
+            <a:endParaRPr sz="1600" b="0" i="0">
+              <a:solidFill>
+                <a:srgbClr val="333333"/>
+              </a:solidFill>
+              <a:latin typeface="Tomorrow"/>
+              <a:ea typeface="Tomorrow"/>
+            </a:endParaRPr>
+          </a:p>
+          <a:p>
+            <a:pPr marL="0" indent="0">
+              <a:spcBef>
+                <a:spcPct val="0"/>
+              </a:spcBef>
+              <a:spcAft>
+                <a:spcPct val="0"/>
+              </a:spcAft>
+            </a:pPr>
+            <a:r>
+              <a:rPr sz="1600" b="0" i="0">
+                <a:solidFill>
+                  <a:srgbClr val="333333"/>
+                </a:solidFill>
+                <a:latin typeface="Tomorrow"/>
+                <a:ea typeface="Tomorrow"/>
+              </a:rPr>
+              <a:t>Architecture of RNN</a:t>
+            </a:r>
+            <a:endParaRPr sz="1600" b="0" i="0">
+              <a:solidFill>
+                <a:srgbClr val="333333"/>
+              </a:solidFill>
+              <a:latin typeface="Tomorrow"/>
+              <a:ea typeface="Tomorrow"/>
+            </a:endParaRPr>
+          </a:p>
+          <a:p>
+            <a:pPr marL="0" indent="0">
+              <a:spcBef>
+                <a:spcPct val="0"/>
+              </a:spcBef>
+              <a:spcAft>
+                <a:spcPct val="0"/>
+              </a:spcAft>
+            </a:pPr>
+            <a:r>
+              <a:rPr sz="1600" b="0" i="0">
+                <a:solidFill>
+                  <a:srgbClr val="333333"/>
+                </a:solidFill>
+                <a:latin typeface="Tomorrow"/>
+                <a:ea typeface="Tomorrow"/>
+              </a:rPr>
+              <a:t>Vanishing Gradient Problem in RNN</a:t>
+            </a:r>
+            <a:endParaRPr sz="1600" b="0" i="0">
+              <a:solidFill>
+                <a:srgbClr val="333333"/>
+              </a:solidFill>
+              <a:latin typeface="Tomorrow"/>
+              <a:ea typeface="Tomorrow"/>
+            </a:endParaRPr>
+          </a:p>
+          <a:p>
+            <a:pPr marL="0" indent="0">
+              <a:spcBef>
+                <a:spcPct val="0"/>
+              </a:spcBef>
+              <a:spcAft>
+                <a:spcPct val="0"/>
+              </a:spcAft>
+            </a:pPr>
+            <a:r>
+              <a:rPr sz="1600" b="0" i="0">
+                <a:solidFill>
+                  <a:srgbClr val="333333"/>
+                </a:solidFill>
+                <a:latin typeface="Tomorrow"/>
+                <a:ea typeface="Tomorrow"/>
+              </a:rPr>
+              <a:t>Long Short Term Memory</a:t>
+            </a:r>
+            <a:endParaRPr sz="1600" b="0" i="0">
+              <a:solidFill>
+                <a:srgbClr val="333333"/>
+              </a:solidFill>
+              <a:latin typeface="Tomorrow"/>
+              <a:ea typeface="Tomorrow"/>
+            </a:endParaRPr>
+          </a:p>
+          <a:p>
+            <a:pPr marL="0" indent="0">
+              <a:spcBef>
+                <a:spcPct val="0"/>
+              </a:spcBef>
+              <a:spcAft>
+                <a:spcPct val="0"/>
+              </a:spcAft>
+            </a:pPr>
+            <a:r>
+              <a:rPr sz="1600" b="0" i="0">
+                <a:solidFill>
+                  <a:srgbClr val="333333"/>
+                </a:solidFill>
+                <a:latin typeface="Tomorrow"/>
+                <a:ea typeface="Tomorrow"/>
+              </a:rPr>
+              <a:t>Multi-layer &amp; Bi-directional LSTM</a:t>
+            </a:r>
+            <a:endParaRPr sz="1600" b="0" i="0">
+              <a:solidFill>
+                <a:srgbClr val="333333"/>
+              </a:solidFill>
+              <a:latin typeface="Tomorrow"/>
+              <a:ea typeface="Tomorrow"/>
+            </a:endParaRPr>
+          </a:p>
+          <a:p>
+            <a:pPr marL="0" indent="0">
+              <a:spcBef>
+                <a:spcPct val="0"/>
+              </a:spcBef>
+              <a:spcAft>
+                <a:spcPct val="0"/>
+              </a:spcAft>
+            </a:pPr>
+            <a:r>
+              <a:rPr sz="1600" b="0" i="0">
+                <a:solidFill>
+                  <a:srgbClr val="333333"/>
+                </a:solidFill>
+                <a:latin typeface="Tomorrow"/>
+                <a:ea typeface="Tomorrow"/>
+              </a:rPr>
+              <a:t>Gated Recurrent Unit</a:t>
+            </a:r>
+            <a:endParaRPr sz="1600" b="0" i="0">
+              <a:solidFill>
+                <a:srgbClr val="333333"/>
+              </a:solidFill>
+              <a:latin typeface="Tomorrow"/>
+              <a:ea typeface="Tomorrow"/>
+            </a:endParaRPr>
+          </a:p>
+          <a:p>
+            <a:pPr marL="0" indent="0">
+              <a:spcBef>
+                <a:spcPct val="0"/>
+              </a:spcBef>
+              <a:spcAft>
+                <a:spcPct val="0"/>
+              </a:spcAft>
+            </a:pPr>
+            <a:r>
+              <a:rPr sz="1600" b="0" i="0">
+                <a:solidFill>
+                  <a:srgbClr val="333333"/>
+                </a:solidFill>
+                <a:latin typeface="Tomorrow"/>
+                <a:ea typeface="Tomorrow"/>
+              </a:rPr>
+              <a:t>Multi-layer &amp; Bi-directional GRU</a:t>
+            </a:r>
+            <a:endParaRPr sz="1600" b="0" i="0">
+              <a:solidFill>
+                <a:srgbClr val="333333"/>
+              </a:solidFill>
+              <a:latin typeface="Tomorrow"/>
+              <a:ea typeface="Tomorrow"/>
+            </a:endParaRPr>
+          </a:p>
+          <a:p>
+            <a:pPr marL="0" indent="0">
+              <a:spcBef>
+                <a:spcPct val="0"/>
+              </a:spcBef>
+              <a:spcAft>
+                <a:spcPct val="0"/>
+              </a:spcAft>
+            </a:pPr>
+            <a:r>
+              <a:rPr sz="1600" b="0" i="0">
+                <a:solidFill>
+                  <a:srgbClr val="333333"/>
+                </a:solidFill>
+                <a:latin typeface="Tomorrow"/>
+                <a:ea typeface="Tomorrow"/>
+              </a:rPr>
+              <a:t>Assignment</a:t>
+            </a:r>
+            <a:endParaRPr sz="1600" b="0" i="0">
+              <a:solidFill>
+                <a:srgbClr val="333333"/>
+              </a:solidFill>
+              <a:latin typeface="Tomorrow"/>
+              <a:ea typeface="Tomorrow"/>
+            </a:endParaRPr>
+          </a:p>
+        </p:txBody>
+      </p:sp>
+      <p:sp>
+        <p:nvSpPr>
+          <p:cNvPr id="8" name="Text Box 7"/>
+          <p:cNvSpPr txBox="1"/>
+          <p:nvPr/>
+        </p:nvSpPr>
+        <p:spPr>
+          <a:xfrm>
+            <a:off x="4599940" y="5225098"/>
+            <a:ext cx="5080000" cy="1524635"/>
+          </a:xfrm>
+          <a:prstGeom prst="rect">
+            <a:avLst/>
+          </a:prstGeom>
+        </p:spPr>
+        <p:txBody>
+          <a:bodyPr>
+            <a:spAutoFit/>
+          </a:bodyPr>
+          <a:p>
+            <a:pPr marL="0" indent="0">
+              <a:spcBef>
+                <a:spcPts val="1000"/>
+              </a:spcBef>
+              <a:spcAft>
+                <a:spcPts val="500"/>
+              </a:spcAft>
+            </a:pPr>
+            <a:r>
+              <a:rPr sz="2500" b="0" i="0">
+                <a:solidFill>
+                  <a:srgbClr val="333333"/>
+                </a:solidFill>
+                <a:latin typeface="Tomorrow"/>
+                <a:ea typeface="Tomorrow"/>
+              </a:rPr>
+              <a:t>Transformers Based Models  </a:t>
+            </a:r>
+            <a:endParaRPr sz="2500" b="0" i="0">
+              <a:solidFill>
+                <a:srgbClr val="333333"/>
+              </a:solidFill>
+              <a:latin typeface="Tomorrow"/>
+              <a:ea typeface="Tomorrow"/>
+            </a:endParaRPr>
+          </a:p>
+          <a:p>
+            <a:pPr marL="0" indent="0">
+              <a:spcBef>
+                <a:spcPct val="0"/>
+              </a:spcBef>
+              <a:spcAft>
+                <a:spcPct val="0"/>
+              </a:spcAft>
+            </a:pPr>
+            <a:r>
+              <a:rPr sz="1600" b="0" i="0">
+                <a:solidFill>
+                  <a:srgbClr val="333333"/>
+                </a:solidFill>
+                <a:latin typeface="Tomorrow"/>
+                <a:ea typeface="Tomorrow"/>
+              </a:rPr>
+              <a:t>Sequence to Sequence Model</a:t>
+            </a:r>
+            <a:endParaRPr sz="1600" b="0" i="0">
+              <a:solidFill>
+                <a:srgbClr val="333333"/>
+              </a:solidFill>
+              <a:latin typeface="Tomorrow"/>
+              <a:ea typeface="Tomorrow"/>
+            </a:endParaRPr>
+          </a:p>
+          <a:p>
+            <a:pPr marL="0" indent="0">
+              <a:spcBef>
+                <a:spcPct val="0"/>
+              </a:spcBef>
+              <a:spcAft>
+                <a:spcPct val="0"/>
+              </a:spcAft>
+            </a:pPr>
+            <a:r>
+              <a:rPr sz="1600" b="0" i="0">
+                <a:solidFill>
+                  <a:srgbClr val="333333"/>
+                </a:solidFill>
+                <a:latin typeface="Tomorrow"/>
+                <a:ea typeface="Tomorrow"/>
+              </a:rPr>
+              <a:t>Attention Machanism</a:t>
+            </a:r>
+            <a:endParaRPr sz="1600" b="0" i="0">
+              <a:solidFill>
+                <a:srgbClr val="333333"/>
+              </a:solidFill>
+              <a:latin typeface="Tomorrow"/>
+              <a:ea typeface="Tomorrow"/>
+            </a:endParaRPr>
+          </a:p>
+          <a:p>
+            <a:pPr marL="0" indent="0">
+              <a:spcBef>
+                <a:spcPct val="0"/>
+              </a:spcBef>
+              <a:spcAft>
+                <a:spcPct val="0"/>
+              </a:spcAft>
+            </a:pPr>
+            <a:r>
+              <a:rPr sz="1600" b="0" i="0">
+                <a:solidFill>
+                  <a:srgbClr val="333333"/>
+                </a:solidFill>
+                <a:latin typeface="Tomorrow"/>
+                <a:ea typeface="Tomorrow"/>
+              </a:rPr>
+              <a:t>Transformers</a:t>
+            </a:r>
+            <a:endParaRPr sz="1600" b="0" i="0">
+              <a:solidFill>
+                <a:srgbClr val="333333"/>
+              </a:solidFill>
+              <a:latin typeface="Tomorrow"/>
+              <a:ea typeface="Tomorrow"/>
+            </a:endParaRPr>
+          </a:p>
+          <a:p>
+            <a:pPr marL="0" indent="0">
+              <a:spcBef>
+                <a:spcPct val="0"/>
+              </a:spcBef>
+              <a:spcAft>
+                <a:spcPct val="0"/>
+              </a:spcAft>
+            </a:pPr>
+            <a:r>
+              <a:rPr sz="1600" b="0" i="0">
+                <a:solidFill>
+                  <a:srgbClr val="333333"/>
+                </a:solidFill>
+                <a:latin typeface="Tomorrow"/>
+                <a:ea typeface="Tomorrow"/>
+              </a:rPr>
+              <a:t>Face Hugging Transformers</a:t>
+            </a:r>
+            <a:endParaRPr sz="1600" b="0" i="0">
+              <a:solidFill>
+                <a:srgbClr val="333333"/>
+              </a:solidFill>
+              <a:latin typeface="Tomorrow"/>
+              <a:ea typeface="Tomorrow"/>
+            </a:endParaRPr>
+          </a:p>
+        </p:txBody>
+      </p:sp>
+    </p:spTree>
+  </p:cSld>
+  <p:clrMapOvr>
+    <a:masterClrMapping/>
+  </p:clrMapOvr>
+</p:sld>
+</file>
+
+<file path=ppt/slides/slide5.xml><?xml version="1.0" encoding="utf-8"?>
+<p:sld xmlns:a="http://schemas.openxmlformats.org/drawingml/2006/main" xmlns:r="http://schemas.openxmlformats.org/officeDocument/2006/relationships" xmlns:p="http://schemas.openxmlformats.org/presentationml/2006/main">
+  <p:cSld>
+    <p:spTree>
+      <p:nvGrpSpPr>
+        <p:cNvPr id="1" name=""/>
+        <p:cNvGrpSpPr/>
+        <p:nvPr/>
+      </p:nvGrpSpPr>
+      <p:grpSpPr/>
       <p:sp>
         <p:nvSpPr>
           <p:cNvPr id="2" name="Text Box 1"/>
@@ -5572,7 +5823,7 @@
 </p:sld>
 </file>
 
-<file path=ppt/slides/slide4.xml><?xml version="1.0" encoding="utf-8"?>
+<file path=ppt/slides/slide6.xml><?xml version="1.0" encoding="utf-8"?>
 <p:sld xmlns:a="http://schemas.openxmlformats.org/drawingml/2006/main" xmlns:r="http://schemas.openxmlformats.org/officeDocument/2006/relationships" xmlns:p="http://schemas.openxmlformats.org/presentationml/2006/main">
   <p:cSld>
     <p:spTree>
@@ -5663,7 +5914,7 @@
 </p:sld>
 </file>
 
-<file path=ppt/slides/slide5.xml><?xml version="1.0" encoding="utf-8"?>
+<file path=ppt/slides/slide7.xml><?xml version="1.0" encoding="utf-8"?>
 <p:sld xmlns:a="http://schemas.openxmlformats.org/drawingml/2006/main" xmlns:r="http://schemas.openxmlformats.org/officeDocument/2006/relationships" xmlns:p="http://schemas.openxmlformats.org/presentationml/2006/main">
   <p:cSld>
     <p:spTree>
